--- a/pptx_res/Генерация первичного излучения.pptx
+++ b/pptx_res/Генерация первичного излучения.pptx
@@ -2,7 +2,7 @@
 <file path=ppt/presentation.xml><?xml version="1.0" encoding="utf-8"?>
 <p:presentation xmlns:a="http://schemas.openxmlformats.org/drawingml/2006/main" xmlns:r="http://schemas.openxmlformats.org/officeDocument/2006/relationships" xmlns:p="http://schemas.openxmlformats.org/presentationml/2006/main" showSpecialPlsOnTitleSld="0" saveSubsetFonts="1">
   <p:sldMasterIdLst>
-    <p:sldMasterId id="2147483660" r:id="rId1"/>
+    <p:sldMasterId id="2147483673" r:id="rId1"/>
   </p:sldMasterIdLst>
   <p:notesMasterIdLst>
     <p:notesMasterId r:id="rId16"/>
@@ -210,7 +210,7 @@
           <a:p>
             <a:fld id="{9913793A-2996-416F-A2A3-FC9632AAEFC3}" type="datetimeFigureOut">
               <a:rPr lang="ru-RU" smtClean="0"/>
-              <a:t>02.06.2017</a:t>
+              <a:t>21.07.2017</a:t>
             </a:fld>
             <a:endParaRPr lang="ru-RU"/>
           </a:p>
@@ -495,30 +495,6 @@
           <a:chExt cx="0" cy="0"/>
         </a:xfrm>
       </p:grpSpPr>
-      <p:pic>
-        <p:nvPicPr>
-          <p:cNvPr id="11" name="Рисунок 10"/>
-          <p:cNvPicPr>
-            <a:picLocks noChangeAspect="1"/>
-          </p:cNvPicPr>
-          <p:nvPr/>
-        </p:nvPicPr>
-        <p:blipFill>
-          <a:blip r:embed="rId2"/>
-          <a:stretch>
-            <a:fillRect/>
-          </a:stretch>
-        </p:blipFill>
-        <p:spPr>
-          <a:xfrm>
-            <a:off x="8639175" y="142875"/>
-            <a:ext cx="3413506" cy="3390900"/>
-          </a:xfrm>
-          <a:prstGeom prst="rect">
-            <a:avLst/>
-          </a:prstGeom>
-        </p:spPr>
-      </p:pic>
       <p:sp>
         <p:nvSpPr>
           <p:cNvPr id="7" name="Rectangle 6"/>
@@ -728,7 +704,1194 @@
           <a:p>
             <a:fld id="{783AAFDF-2380-4A2D-8A49-80F4CD09B7FE}" type="datetime1">
               <a:rPr lang="ru-RU" smtClean="0"/>
-              <a:t>02.06.2017</a:t>
+              <a:t>21.07.2017</a:t>
+            </a:fld>
+            <a:endParaRPr lang="ru-RU"/>
+          </a:p>
+        </p:txBody>
+      </p:sp>
+      <p:sp>
+        <p:nvSpPr>
+          <p:cNvPr id="5" name="Footer Placeholder 4"/>
+          <p:cNvSpPr>
+            <a:spLocks noGrp="1"/>
+          </p:cNvSpPr>
+          <p:nvPr>
+            <p:ph type="ftr" sz="quarter" idx="11"/>
+          </p:nvPr>
+        </p:nvSpPr>
+        <p:spPr/>
+        <p:txBody>
+          <a:bodyPr/>
+          <a:lstStyle/>
+          <a:p>
+            <a:r>
+              <a:rPr lang="ru-RU" smtClean="0"/>
+              <a:t>Кафедра 24. "Компьютерный практикум по прикладной ядерной физике: Geant4"</a:t>
+            </a:r>
+            <a:endParaRPr lang="ru-RU"/>
+          </a:p>
+        </p:txBody>
+      </p:sp>
+      <p:sp>
+        <p:nvSpPr>
+          <p:cNvPr id="6" name="Slide Number Placeholder 5"/>
+          <p:cNvSpPr>
+            <a:spLocks noGrp="1"/>
+          </p:cNvSpPr>
+          <p:nvPr>
+            <p:ph type="sldNum" sz="quarter" idx="12"/>
+          </p:nvPr>
+        </p:nvSpPr>
+        <p:spPr/>
+        <p:txBody>
+          <a:bodyPr/>
+          <a:lstStyle/>
+          <a:p>
+            <a:fld id="{00CA4720-69D6-49C8-9F05-5AE586FCF308}" type="slidenum">
+              <a:rPr lang="ru-RU" smtClean="0"/>
+              <a:t>‹#›</a:t>
+            </a:fld>
+            <a:endParaRPr lang="ru-RU"/>
+          </a:p>
+        </p:txBody>
+      </p:sp>
+      <p:cxnSp>
+        <p:nvCxnSpPr>
+          <p:cNvPr id="9" name="Straight Connector 8"/>
+          <p:cNvCxnSpPr/>
+          <p:nvPr/>
+        </p:nvCxnSpPr>
+        <p:spPr>
+          <a:xfrm>
+            <a:off x="1207659" y="4343400"/>
+            <a:ext cx="9875520" cy="0"/>
+          </a:xfrm>
+          <a:prstGeom prst="line">
+            <a:avLst/>
+          </a:prstGeom>
+          <a:ln w="6350">
+            <a:solidFill>
+              <a:schemeClr val="tx1">
+                <a:lumMod val="50000"/>
+                <a:lumOff val="50000"/>
+              </a:schemeClr>
+            </a:solidFill>
+          </a:ln>
+        </p:spPr>
+        <p:style>
+          <a:lnRef idx="1">
+            <a:schemeClr val="accent1"/>
+          </a:lnRef>
+          <a:fillRef idx="0">
+            <a:schemeClr val="accent1"/>
+          </a:fillRef>
+          <a:effectRef idx="0">
+            <a:schemeClr val="accent1"/>
+          </a:effectRef>
+          <a:fontRef idx="minor">
+            <a:schemeClr val="tx1"/>
+          </a:fontRef>
+        </p:style>
+      </p:cxnSp>
+      <p:pic>
+        <p:nvPicPr>
+          <p:cNvPr id="16" name="Рисунок 15"/>
+          <p:cNvPicPr>
+            <a:picLocks noChangeAspect="1"/>
+          </p:cNvPicPr>
+          <p:nvPr/>
+        </p:nvPicPr>
+        <p:blipFill>
+          <a:blip r:embed="rId2" cstate="print">
+            <a:extLst>
+              <a:ext uri="{28A0092B-C50C-407E-A947-70E740481C1C}">
+                <a14:useLocalDpi xmlns:a14="http://schemas.microsoft.com/office/drawing/2010/main" val="0"/>
+              </a:ext>
+            </a:extLst>
+          </a:blip>
+          <a:stretch>
+            <a:fillRect/>
+          </a:stretch>
+        </p:blipFill>
+        <p:spPr>
+          <a:xfrm>
+            <a:off x="8659123" y="123842"/>
+            <a:ext cx="3529720" cy="3596084"/>
+          </a:xfrm>
+          <a:prstGeom prst="rect">
+            <a:avLst/>
+          </a:prstGeom>
+        </p:spPr>
+      </p:pic>
+    </p:spTree>
+    <p:extLst>
+      <p:ext uri="{BB962C8B-B14F-4D97-AF65-F5344CB8AC3E}">
+        <p14:creationId xmlns:p14="http://schemas.microsoft.com/office/powerpoint/2010/main" val="2871504380"/>
+      </p:ext>
+    </p:extLst>
+  </p:cSld>
+  <p:clrMapOvr>
+    <a:masterClrMapping/>
+  </p:clrMapOvr>
+</p:sldLayout>
+</file>
+
+<file path=ppt/slideLayouts/slideLayout10.xml><?xml version="1.0" encoding="utf-8"?>
+<p:sldLayout xmlns:a="http://schemas.openxmlformats.org/drawingml/2006/main" xmlns:r="http://schemas.openxmlformats.org/officeDocument/2006/relationships" xmlns:p="http://schemas.openxmlformats.org/presentationml/2006/main" type="vertTx" preserve="1">
+  <p:cSld name="Заголовок и вертикальный текст">
+    <p:spTree>
+      <p:nvGrpSpPr>
+        <p:cNvPr id="1" name=""/>
+        <p:cNvGrpSpPr/>
+        <p:nvPr/>
+      </p:nvGrpSpPr>
+      <p:grpSpPr>
+        <a:xfrm>
+          <a:off x="0" y="0"/>
+          <a:ext cx="0" cy="0"/>
+          <a:chOff x="0" y="0"/>
+          <a:chExt cx="0" cy="0"/>
+        </a:xfrm>
+      </p:grpSpPr>
+      <p:sp>
+        <p:nvSpPr>
+          <p:cNvPr id="2" name="Title 1"/>
+          <p:cNvSpPr>
+            <a:spLocks noGrp="1"/>
+          </p:cNvSpPr>
+          <p:nvPr>
+            <p:ph type="title"/>
+          </p:nvPr>
+        </p:nvSpPr>
+        <p:spPr/>
+        <p:txBody>
+          <a:bodyPr/>
+          <a:lstStyle/>
+          <a:p>
+            <a:r>
+              <a:rPr lang="ru-RU" smtClean="0"/>
+              <a:t>Образец заголовка</a:t>
+            </a:r>
+            <a:endParaRPr lang="en-US" dirty="0"/>
+          </a:p>
+        </p:txBody>
+      </p:sp>
+      <p:sp>
+        <p:nvSpPr>
+          <p:cNvPr id="3" name="Vertical Text Placeholder 2"/>
+          <p:cNvSpPr>
+            <a:spLocks noGrp="1"/>
+          </p:cNvSpPr>
+          <p:nvPr>
+            <p:ph type="body" orient="vert" idx="1"/>
+          </p:nvPr>
+        </p:nvSpPr>
+        <p:spPr/>
+        <p:txBody>
+          <a:bodyPr vert="eaVert" lIns="45720" tIns="0" rIns="45720" bIns="0"/>
+          <a:lstStyle/>
+          <a:p>
+            <a:pPr lvl="0"/>
+            <a:r>
+              <a:rPr lang="ru-RU" smtClean="0"/>
+              <a:t>Образец текста</a:t>
+            </a:r>
+          </a:p>
+          <a:p>
+            <a:pPr lvl="1"/>
+            <a:r>
+              <a:rPr lang="ru-RU" smtClean="0"/>
+              <a:t>Второй уровень</a:t>
+            </a:r>
+          </a:p>
+          <a:p>
+            <a:pPr lvl="2"/>
+            <a:r>
+              <a:rPr lang="ru-RU" smtClean="0"/>
+              <a:t>Третий уровень</a:t>
+            </a:r>
+          </a:p>
+          <a:p>
+            <a:pPr lvl="3"/>
+            <a:r>
+              <a:rPr lang="ru-RU" smtClean="0"/>
+              <a:t>Четвертый уровень</a:t>
+            </a:r>
+          </a:p>
+          <a:p>
+            <a:pPr lvl="4"/>
+            <a:r>
+              <a:rPr lang="ru-RU" smtClean="0"/>
+              <a:t>Пятый уровень</a:t>
+            </a:r>
+            <a:endParaRPr lang="en-US" dirty="0"/>
+          </a:p>
+        </p:txBody>
+      </p:sp>
+      <p:sp>
+        <p:nvSpPr>
+          <p:cNvPr id="4" name="Date Placeholder 3"/>
+          <p:cNvSpPr>
+            <a:spLocks noGrp="1"/>
+          </p:cNvSpPr>
+          <p:nvPr>
+            <p:ph type="dt" sz="half" idx="10"/>
+          </p:nvPr>
+        </p:nvSpPr>
+        <p:spPr/>
+        <p:txBody>
+          <a:bodyPr/>
+          <a:lstStyle/>
+          <a:p>
+            <a:fld id="{89C7541F-CB82-4BD8-A652-091946D7096D}" type="datetime1">
+              <a:rPr lang="ru-RU" smtClean="0"/>
+              <a:t>21.07.2017</a:t>
+            </a:fld>
+            <a:endParaRPr lang="ru-RU"/>
+          </a:p>
+        </p:txBody>
+      </p:sp>
+      <p:sp>
+        <p:nvSpPr>
+          <p:cNvPr id="5" name="Footer Placeholder 4"/>
+          <p:cNvSpPr>
+            <a:spLocks noGrp="1"/>
+          </p:cNvSpPr>
+          <p:nvPr>
+            <p:ph type="ftr" sz="quarter" idx="11"/>
+          </p:nvPr>
+        </p:nvSpPr>
+        <p:spPr/>
+        <p:txBody>
+          <a:bodyPr/>
+          <a:lstStyle/>
+          <a:p>
+            <a:r>
+              <a:rPr lang="ru-RU" smtClean="0"/>
+              <a:t>Кафедра 24. "Компьютерный практикум по прикладной ядерной физике: Geant4"</a:t>
+            </a:r>
+            <a:endParaRPr lang="ru-RU"/>
+          </a:p>
+        </p:txBody>
+      </p:sp>
+      <p:sp>
+        <p:nvSpPr>
+          <p:cNvPr id="6" name="Slide Number Placeholder 5"/>
+          <p:cNvSpPr>
+            <a:spLocks noGrp="1"/>
+          </p:cNvSpPr>
+          <p:nvPr>
+            <p:ph type="sldNum" sz="quarter" idx="12"/>
+          </p:nvPr>
+        </p:nvSpPr>
+        <p:spPr/>
+        <p:txBody>
+          <a:bodyPr/>
+          <a:lstStyle/>
+          <a:p>
+            <a:fld id="{00CA4720-69D6-49C8-9F05-5AE586FCF308}" type="slidenum">
+              <a:rPr lang="ru-RU" smtClean="0"/>
+              <a:t>‹#›</a:t>
+            </a:fld>
+            <a:endParaRPr lang="ru-RU"/>
+          </a:p>
+        </p:txBody>
+      </p:sp>
+    </p:spTree>
+    <p:extLst>
+      <p:ext uri="{BB962C8B-B14F-4D97-AF65-F5344CB8AC3E}">
+        <p14:creationId xmlns:p14="http://schemas.microsoft.com/office/powerpoint/2010/main" val="1179411811"/>
+      </p:ext>
+    </p:extLst>
+  </p:cSld>
+  <p:clrMapOvr>
+    <a:masterClrMapping/>
+  </p:clrMapOvr>
+</p:sldLayout>
+</file>
+
+<file path=ppt/slideLayouts/slideLayout11.xml><?xml version="1.0" encoding="utf-8"?>
+<p:sldLayout xmlns:a="http://schemas.openxmlformats.org/drawingml/2006/main" xmlns:r="http://schemas.openxmlformats.org/officeDocument/2006/relationships" xmlns:p="http://schemas.openxmlformats.org/presentationml/2006/main" showMasterSp="0" type="vertTitleAndTx" preserve="1">
+  <p:cSld name="Вертикальный заголовок и текст">
+    <p:spTree>
+      <p:nvGrpSpPr>
+        <p:cNvPr id="1" name=""/>
+        <p:cNvGrpSpPr/>
+        <p:nvPr/>
+      </p:nvGrpSpPr>
+      <p:grpSpPr>
+        <a:xfrm>
+          <a:off x="0" y="0"/>
+          <a:ext cx="0" cy="0"/>
+          <a:chOff x="0" y="0"/>
+          <a:chExt cx="0" cy="0"/>
+        </a:xfrm>
+      </p:grpSpPr>
+      <p:sp>
+        <p:nvSpPr>
+          <p:cNvPr id="7" name="Rectangle 6"/>
+          <p:cNvSpPr/>
+          <p:nvPr/>
+        </p:nvSpPr>
+        <p:spPr>
+          <a:xfrm>
+            <a:off x="3177" y="6400800"/>
+            <a:ext cx="12188825" cy="457200"/>
+          </a:xfrm>
+          <a:prstGeom prst="rect">
+            <a:avLst/>
+          </a:prstGeom>
+          <a:solidFill>
+            <a:schemeClr val="accent2"/>
+          </a:solidFill>
+          <a:ln>
+            <a:noFill/>
+          </a:ln>
+        </p:spPr>
+        <p:style>
+          <a:lnRef idx="2">
+            <a:schemeClr val="accent1">
+              <a:shade val="50000"/>
+            </a:schemeClr>
+          </a:lnRef>
+          <a:fillRef idx="1">
+            <a:schemeClr val="accent1"/>
+          </a:fillRef>
+          <a:effectRef idx="0">
+            <a:schemeClr val="accent1"/>
+          </a:effectRef>
+          <a:fontRef idx="minor">
+            <a:schemeClr val="lt1"/>
+          </a:fontRef>
+        </p:style>
+      </p:sp>
+      <p:sp>
+        <p:nvSpPr>
+          <p:cNvPr id="8" name="Rectangle 7"/>
+          <p:cNvSpPr/>
+          <p:nvPr/>
+        </p:nvSpPr>
+        <p:spPr>
+          <a:xfrm>
+            <a:off x="17" y="6334316"/>
+            <a:ext cx="12188825" cy="64008"/>
+          </a:xfrm>
+          <a:prstGeom prst="rect">
+            <a:avLst/>
+          </a:prstGeom>
+          <a:solidFill>
+            <a:schemeClr val="accent1"/>
+          </a:solidFill>
+          <a:ln>
+            <a:noFill/>
+          </a:ln>
+        </p:spPr>
+        <p:style>
+          <a:lnRef idx="2">
+            <a:schemeClr val="accent1">
+              <a:shade val="50000"/>
+            </a:schemeClr>
+          </a:lnRef>
+          <a:fillRef idx="1">
+            <a:schemeClr val="accent1"/>
+          </a:fillRef>
+          <a:effectRef idx="0">
+            <a:schemeClr val="accent1"/>
+          </a:effectRef>
+          <a:fontRef idx="minor">
+            <a:schemeClr val="lt1"/>
+          </a:fontRef>
+        </p:style>
+      </p:sp>
+      <p:sp>
+        <p:nvSpPr>
+          <p:cNvPr id="2" name="Vertical Title 1"/>
+          <p:cNvSpPr>
+            <a:spLocks noGrp="1"/>
+          </p:cNvSpPr>
+          <p:nvPr>
+            <p:ph type="title" orient="vert"/>
+          </p:nvPr>
+        </p:nvSpPr>
+        <p:spPr>
+          <a:xfrm>
+            <a:off x="8724902" y="412303"/>
+            <a:ext cx="2628900" cy="5759898"/>
+          </a:xfrm>
+        </p:spPr>
+        <p:txBody>
+          <a:bodyPr vert="eaVert"/>
+          <a:lstStyle/>
+          <a:p>
+            <a:r>
+              <a:rPr lang="ru-RU" smtClean="0"/>
+              <a:t>Образец заголовка</a:t>
+            </a:r>
+            <a:endParaRPr lang="en-US" dirty="0"/>
+          </a:p>
+        </p:txBody>
+      </p:sp>
+      <p:sp>
+        <p:nvSpPr>
+          <p:cNvPr id="3" name="Vertical Text Placeholder 2"/>
+          <p:cNvSpPr>
+            <a:spLocks noGrp="1"/>
+          </p:cNvSpPr>
+          <p:nvPr>
+            <p:ph type="body" orient="vert" idx="1"/>
+          </p:nvPr>
+        </p:nvSpPr>
+        <p:spPr>
+          <a:xfrm>
+            <a:off x="838201" y="412303"/>
+            <a:ext cx="7734299" cy="5759898"/>
+          </a:xfrm>
+        </p:spPr>
+        <p:txBody>
+          <a:bodyPr vert="eaVert" lIns="45720" tIns="0" rIns="45720" bIns="0"/>
+          <a:lstStyle/>
+          <a:p>
+            <a:pPr lvl="0"/>
+            <a:r>
+              <a:rPr lang="ru-RU" smtClean="0"/>
+              <a:t>Образец текста</a:t>
+            </a:r>
+          </a:p>
+          <a:p>
+            <a:pPr lvl="1"/>
+            <a:r>
+              <a:rPr lang="ru-RU" smtClean="0"/>
+              <a:t>Второй уровень</a:t>
+            </a:r>
+          </a:p>
+          <a:p>
+            <a:pPr lvl="2"/>
+            <a:r>
+              <a:rPr lang="ru-RU" smtClean="0"/>
+              <a:t>Третий уровень</a:t>
+            </a:r>
+          </a:p>
+          <a:p>
+            <a:pPr lvl="3"/>
+            <a:r>
+              <a:rPr lang="ru-RU" smtClean="0"/>
+              <a:t>Четвертый уровень</a:t>
+            </a:r>
+          </a:p>
+          <a:p>
+            <a:pPr lvl="4"/>
+            <a:r>
+              <a:rPr lang="ru-RU" smtClean="0"/>
+              <a:t>Пятый уровень</a:t>
+            </a:r>
+            <a:endParaRPr lang="en-US" dirty="0"/>
+          </a:p>
+        </p:txBody>
+      </p:sp>
+      <p:sp>
+        <p:nvSpPr>
+          <p:cNvPr id="4" name="Date Placeholder 3"/>
+          <p:cNvSpPr>
+            <a:spLocks noGrp="1"/>
+          </p:cNvSpPr>
+          <p:nvPr>
+            <p:ph type="dt" sz="half" idx="10"/>
+          </p:nvPr>
+        </p:nvSpPr>
+        <p:spPr/>
+        <p:txBody>
+          <a:bodyPr/>
+          <a:lstStyle/>
+          <a:p>
+            <a:fld id="{5D6EA226-9F1E-4D48-82F9-B7510AA33A06}" type="datetime1">
+              <a:rPr lang="ru-RU" smtClean="0"/>
+              <a:t>21.07.2017</a:t>
+            </a:fld>
+            <a:endParaRPr lang="ru-RU"/>
+          </a:p>
+        </p:txBody>
+      </p:sp>
+      <p:sp>
+        <p:nvSpPr>
+          <p:cNvPr id="5" name="Footer Placeholder 4"/>
+          <p:cNvSpPr>
+            <a:spLocks noGrp="1"/>
+          </p:cNvSpPr>
+          <p:nvPr>
+            <p:ph type="ftr" sz="quarter" idx="11"/>
+          </p:nvPr>
+        </p:nvSpPr>
+        <p:spPr/>
+        <p:txBody>
+          <a:bodyPr/>
+          <a:lstStyle/>
+          <a:p>
+            <a:r>
+              <a:rPr lang="ru-RU" smtClean="0"/>
+              <a:t>Кафедра 24. "Компьютерный практикум по прикладной ядерной физике: Geant4"</a:t>
+            </a:r>
+            <a:endParaRPr lang="ru-RU"/>
+          </a:p>
+        </p:txBody>
+      </p:sp>
+      <p:sp>
+        <p:nvSpPr>
+          <p:cNvPr id="6" name="Slide Number Placeholder 5"/>
+          <p:cNvSpPr>
+            <a:spLocks noGrp="1"/>
+          </p:cNvSpPr>
+          <p:nvPr>
+            <p:ph type="sldNum" sz="quarter" idx="12"/>
+          </p:nvPr>
+        </p:nvSpPr>
+        <p:spPr/>
+        <p:txBody>
+          <a:bodyPr/>
+          <a:lstStyle/>
+          <a:p>
+            <a:fld id="{00CA4720-69D6-49C8-9F05-5AE586FCF308}" type="slidenum">
+              <a:rPr lang="ru-RU" smtClean="0"/>
+              <a:t>‹#›</a:t>
+            </a:fld>
+            <a:endParaRPr lang="ru-RU"/>
+          </a:p>
+        </p:txBody>
+      </p:sp>
+    </p:spTree>
+    <p:extLst>
+      <p:ext uri="{BB962C8B-B14F-4D97-AF65-F5344CB8AC3E}">
+        <p14:creationId xmlns:p14="http://schemas.microsoft.com/office/powerpoint/2010/main" val="2044745256"/>
+      </p:ext>
+    </p:extLst>
+  </p:cSld>
+  <p:clrMapOvr>
+    <a:masterClrMapping/>
+  </p:clrMapOvr>
+</p:sldLayout>
+</file>
+
+<file path=ppt/slideLayouts/slideLayout12.xml><?xml version="1.0" encoding="utf-8"?>
+<p:sldLayout xmlns:a="http://schemas.openxmlformats.org/drawingml/2006/main" xmlns:r="http://schemas.openxmlformats.org/officeDocument/2006/relationships" xmlns:p="http://schemas.openxmlformats.org/presentationml/2006/main" type="tx">
+  <p:cSld name="1_Титульный слайд">
+    <p:spTree>
+      <p:nvGrpSpPr>
+        <p:cNvPr id="1" name=""/>
+        <p:cNvGrpSpPr/>
+        <p:nvPr/>
+      </p:nvGrpSpPr>
+      <p:grpSpPr>
+        <a:xfrm>
+          <a:off x="0" y="0"/>
+          <a:ext cx="0" cy="0"/>
+          <a:chOff x="0" y="0"/>
+          <a:chExt cx="0" cy="0"/>
+        </a:xfrm>
+      </p:grpSpPr>
+      <p:sp>
+        <p:nvSpPr>
+          <p:cNvPr id="5" name="PlaceHolder 1"/>
+          <p:cNvSpPr>
+            <a:spLocks noGrp="1"/>
+          </p:cNvSpPr>
+          <p:nvPr>
+            <p:ph type="title"/>
+          </p:nvPr>
+        </p:nvSpPr>
+        <p:spPr>
+          <a:xfrm>
+            <a:off x="609562" y="273352"/>
+            <a:ext cx="10971684" cy="1145009"/>
+          </a:xfrm>
+          <a:prstGeom prst="rect">
+            <a:avLst/>
+          </a:prstGeom>
+        </p:spPr>
+        <p:txBody>
+          <a:bodyPr lIns="0" tIns="0" rIns="0" bIns="0" anchor="ctr"/>
+          <a:lstStyle/>
+          <a:p>
+            <a:pPr algn="ctr"/>
+            <a:r>
+              <a:rPr lang="ru-RU" sz="3992" b="0" strike="noStrike" spc="-1" smtClean="0">
+                <a:solidFill>
+                  <a:srgbClr val="000000"/>
+                </a:solidFill>
+                <a:uFill>
+                  <a:solidFill>
+                    <a:srgbClr val="FFFFFF"/>
+                  </a:solidFill>
+                </a:uFill>
+                <a:latin typeface="Arial"/>
+              </a:rPr>
+              <a:t>Образец заголовка</a:t>
+            </a:r>
+            <a:endParaRPr lang="ru-RU" sz="3992" b="0" strike="noStrike" spc="-1">
+              <a:solidFill>
+                <a:srgbClr val="000000"/>
+              </a:solidFill>
+              <a:uFill>
+                <a:solidFill>
+                  <a:srgbClr val="FFFFFF"/>
+                </a:solidFill>
+              </a:uFill>
+              <a:latin typeface="Arial"/>
+            </a:endParaRPr>
+          </a:p>
+        </p:txBody>
+      </p:sp>
+      <p:sp>
+        <p:nvSpPr>
+          <p:cNvPr id="6" name="PlaceHolder 2"/>
+          <p:cNvSpPr>
+            <a:spLocks noGrp="1"/>
+          </p:cNvSpPr>
+          <p:nvPr>
+            <p:ph type="subTitle"/>
+          </p:nvPr>
+        </p:nvSpPr>
+        <p:spPr>
+          <a:xfrm>
+            <a:off x="609562" y="1604841"/>
+            <a:ext cx="10971684" cy="3977484"/>
+          </a:xfrm>
+          <a:prstGeom prst="rect">
+            <a:avLst/>
+          </a:prstGeom>
+        </p:spPr>
+        <p:txBody>
+          <a:bodyPr lIns="0" tIns="0" rIns="0" bIns="0" anchor="ctr"/>
+          <a:lstStyle/>
+          <a:p>
+            <a:pPr algn="ctr"/>
+            <a:r>
+              <a:rPr lang="ru-RU" sz="2903" b="0" strike="noStrike" spc="-1" smtClean="0">
+                <a:solidFill>
+                  <a:srgbClr val="000000"/>
+                </a:solidFill>
+                <a:uFill>
+                  <a:solidFill>
+                    <a:srgbClr val="FFFFFF"/>
+                  </a:solidFill>
+                </a:uFill>
+                <a:latin typeface="Arial"/>
+              </a:rPr>
+              <a:t>Образец подзаголовка</a:t>
+            </a:r>
+            <a:endParaRPr lang="ru-RU" sz="2903" b="0" strike="noStrike" spc="-1">
+              <a:solidFill>
+                <a:srgbClr val="000000"/>
+              </a:solidFill>
+              <a:uFill>
+                <a:solidFill>
+                  <a:srgbClr val="FFFFFF"/>
+                </a:solidFill>
+              </a:uFill>
+              <a:latin typeface="Arial"/>
+            </a:endParaRPr>
+          </a:p>
+        </p:txBody>
+      </p:sp>
+    </p:spTree>
+    <p:extLst>
+      <p:ext uri="{BB962C8B-B14F-4D97-AF65-F5344CB8AC3E}">
+        <p14:creationId xmlns:p14="http://schemas.microsoft.com/office/powerpoint/2010/main" val="2127120344"/>
+      </p:ext>
+    </p:extLst>
+  </p:cSld>
+  <p:clrMapOvr>
+    <a:masterClrMapping/>
+  </p:clrMapOvr>
+</p:sldLayout>
+</file>
+
+<file path=ppt/slideLayouts/slideLayout2.xml><?xml version="1.0" encoding="utf-8"?>
+<p:sldLayout xmlns:a="http://schemas.openxmlformats.org/drawingml/2006/main" xmlns:r="http://schemas.openxmlformats.org/officeDocument/2006/relationships" xmlns:p="http://schemas.openxmlformats.org/presentationml/2006/main" type="obj" preserve="1">
+  <p:cSld name="Заголовок и объект">
+    <p:spTree>
+      <p:nvGrpSpPr>
+        <p:cNvPr id="1" name=""/>
+        <p:cNvGrpSpPr/>
+        <p:nvPr/>
+      </p:nvGrpSpPr>
+      <p:grpSpPr>
+        <a:xfrm>
+          <a:off x="0" y="0"/>
+          <a:ext cx="0" cy="0"/>
+          <a:chOff x="0" y="0"/>
+          <a:chExt cx="0" cy="0"/>
+        </a:xfrm>
+      </p:grpSpPr>
+      <p:sp>
+        <p:nvSpPr>
+          <p:cNvPr id="2" name="Title 1"/>
+          <p:cNvSpPr>
+            <a:spLocks noGrp="1"/>
+          </p:cNvSpPr>
+          <p:nvPr>
+            <p:ph type="title"/>
+          </p:nvPr>
+        </p:nvSpPr>
+        <p:spPr/>
+        <p:txBody>
+          <a:bodyPr/>
+          <a:lstStyle/>
+          <a:p>
+            <a:r>
+              <a:rPr lang="ru-RU" smtClean="0"/>
+              <a:t>Образец заголовка</a:t>
+            </a:r>
+            <a:endParaRPr lang="en-US" dirty="0"/>
+          </a:p>
+        </p:txBody>
+      </p:sp>
+      <p:sp>
+        <p:nvSpPr>
+          <p:cNvPr id="3" name="Content Placeholder 2"/>
+          <p:cNvSpPr>
+            <a:spLocks noGrp="1"/>
+          </p:cNvSpPr>
+          <p:nvPr>
+            <p:ph idx="1"/>
+          </p:nvPr>
+        </p:nvSpPr>
+        <p:spPr/>
+        <p:txBody>
+          <a:bodyPr/>
+          <a:lstStyle/>
+          <a:p>
+            <a:pPr lvl="0"/>
+            <a:r>
+              <a:rPr lang="ru-RU" smtClean="0"/>
+              <a:t>Образец текста</a:t>
+            </a:r>
+          </a:p>
+          <a:p>
+            <a:pPr lvl="1"/>
+            <a:r>
+              <a:rPr lang="ru-RU" smtClean="0"/>
+              <a:t>Второй уровень</a:t>
+            </a:r>
+          </a:p>
+          <a:p>
+            <a:pPr lvl="2"/>
+            <a:r>
+              <a:rPr lang="ru-RU" smtClean="0"/>
+              <a:t>Третий уровень</a:t>
+            </a:r>
+          </a:p>
+          <a:p>
+            <a:pPr lvl="3"/>
+            <a:r>
+              <a:rPr lang="ru-RU" smtClean="0"/>
+              <a:t>Четвертый уровень</a:t>
+            </a:r>
+          </a:p>
+          <a:p>
+            <a:pPr lvl="4"/>
+            <a:r>
+              <a:rPr lang="ru-RU" smtClean="0"/>
+              <a:t>Пятый уровень</a:t>
+            </a:r>
+            <a:endParaRPr lang="en-US" dirty="0"/>
+          </a:p>
+        </p:txBody>
+      </p:sp>
+      <p:sp>
+        <p:nvSpPr>
+          <p:cNvPr id="4" name="Date Placeholder 3"/>
+          <p:cNvSpPr>
+            <a:spLocks noGrp="1"/>
+          </p:cNvSpPr>
+          <p:nvPr>
+            <p:ph type="dt" sz="half" idx="10"/>
+          </p:nvPr>
+        </p:nvSpPr>
+        <p:spPr/>
+        <p:txBody>
+          <a:bodyPr/>
+          <a:lstStyle/>
+          <a:p>
+            <a:fld id="{8F5FE24B-1DCE-4283-A049-2DE8FDA28BD0}" type="datetime1">
+              <a:rPr lang="ru-RU" smtClean="0"/>
+              <a:t>21.07.2017</a:t>
+            </a:fld>
+            <a:endParaRPr lang="ru-RU"/>
+          </a:p>
+        </p:txBody>
+      </p:sp>
+      <p:sp>
+        <p:nvSpPr>
+          <p:cNvPr id="5" name="Footer Placeholder 4"/>
+          <p:cNvSpPr>
+            <a:spLocks noGrp="1"/>
+          </p:cNvSpPr>
+          <p:nvPr>
+            <p:ph type="ftr" sz="quarter" idx="11"/>
+          </p:nvPr>
+        </p:nvSpPr>
+        <p:spPr/>
+        <p:txBody>
+          <a:bodyPr/>
+          <a:lstStyle/>
+          <a:p>
+            <a:r>
+              <a:rPr lang="ru-RU" smtClean="0"/>
+              <a:t>Кафедра 24. "Компьютерный практикум по прикладной ядерной физике: Geant4"</a:t>
+            </a:r>
+            <a:endParaRPr lang="ru-RU"/>
+          </a:p>
+        </p:txBody>
+      </p:sp>
+      <p:sp>
+        <p:nvSpPr>
+          <p:cNvPr id="6" name="Slide Number Placeholder 5"/>
+          <p:cNvSpPr>
+            <a:spLocks noGrp="1"/>
+          </p:cNvSpPr>
+          <p:nvPr>
+            <p:ph type="sldNum" sz="quarter" idx="12"/>
+          </p:nvPr>
+        </p:nvSpPr>
+        <p:spPr/>
+        <p:txBody>
+          <a:bodyPr/>
+          <a:lstStyle/>
+          <a:p>
+            <a:fld id="{00CA4720-69D6-49C8-9F05-5AE586FCF308}" type="slidenum">
+              <a:rPr lang="ru-RU" smtClean="0"/>
+              <a:t>‹#›</a:t>
+            </a:fld>
+            <a:endParaRPr lang="ru-RU"/>
+          </a:p>
+        </p:txBody>
+      </p:sp>
+      <p:cxnSp>
+        <p:nvCxnSpPr>
+          <p:cNvPr id="9" name="Прямая соединительная линия 8"/>
+          <p:cNvCxnSpPr/>
+          <p:nvPr/>
+        </p:nvCxnSpPr>
+        <p:spPr>
+          <a:xfrm>
+            <a:off x="1200150" y="1737362"/>
+            <a:ext cx="9853613" cy="0"/>
+          </a:xfrm>
+          <a:prstGeom prst="line">
+            <a:avLst/>
+          </a:prstGeom>
+        </p:spPr>
+        <p:style>
+          <a:lnRef idx="1">
+            <a:schemeClr val="dk1"/>
+          </a:lnRef>
+          <a:fillRef idx="0">
+            <a:schemeClr val="dk1"/>
+          </a:fillRef>
+          <a:effectRef idx="0">
+            <a:schemeClr val="dk1"/>
+          </a:effectRef>
+          <a:fontRef idx="minor">
+            <a:schemeClr val="tx1"/>
+          </a:fontRef>
+        </p:style>
+      </p:cxnSp>
+    </p:spTree>
+    <p:extLst>
+      <p:ext uri="{BB962C8B-B14F-4D97-AF65-F5344CB8AC3E}">
+        <p14:creationId xmlns:p14="http://schemas.microsoft.com/office/powerpoint/2010/main" val="758214551"/>
+      </p:ext>
+    </p:extLst>
+  </p:cSld>
+  <p:clrMapOvr>
+    <a:masterClrMapping/>
+  </p:clrMapOvr>
+</p:sldLayout>
+</file>
+
+<file path=ppt/slideLayouts/slideLayout3.xml><?xml version="1.0" encoding="utf-8"?>
+<p:sldLayout xmlns:a="http://schemas.openxmlformats.org/drawingml/2006/main" xmlns:r="http://schemas.openxmlformats.org/officeDocument/2006/relationships" xmlns:p="http://schemas.openxmlformats.org/presentationml/2006/main" showMasterSp="0" type="secHead" preserve="1">
+  <p:cSld name="Заголовок раздела">
+    <p:bg>
+      <p:bgPr>
+        <a:solidFill>
+          <a:schemeClr val="bg1"/>
+        </a:solidFill>
+        <a:effectLst/>
+      </p:bgPr>
+    </p:bg>
+    <p:spTree>
+      <p:nvGrpSpPr>
+        <p:cNvPr id="1" name=""/>
+        <p:cNvGrpSpPr/>
+        <p:nvPr/>
+      </p:nvGrpSpPr>
+      <p:grpSpPr>
+        <a:xfrm>
+          <a:off x="0" y="0"/>
+          <a:ext cx="0" cy="0"/>
+          <a:chOff x="0" y="0"/>
+          <a:chExt cx="0" cy="0"/>
+        </a:xfrm>
+      </p:grpSpPr>
+      <p:sp>
+        <p:nvSpPr>
+          <p:cNvPr id="7" name="Rectangle 6"/>
+          <p:cNvSpPr/>
+          <p:nvPr/>
+        </p:nvSpPr>
+        <p:spPr>
+          <a:xfrm>
+            <a:off x="3177" y="6400800"/>
+            <a:ext cx="12188825" cy="457200"/>
+          </a:xfrm>
+          <a:prstGeom prst="rect">
+            <a:avLst/>
+          </a:prstGeom>
+          <a:solidFill>
+            <a:schemeClr val="accent2"/>
+          </a:solidFill>
+          <a:ln>
+            <a:noFill/>
+          </a:ln>
+        </p:spPr>
+        <p:style>
+          <a:lnRef idx="2">
+            <a:schemeClr val="accent1">
+              <a:shade val="50000"/>
+            </a:schemeClr>
+          </a:lnRef>
+          <a:fillRef idx="1">
+            <a:schemeClr val="accent1"/>
+          </a:fillRef>
+          <a:effectRef idx="0">
+            <a:schemeClr val="accent1"/>
+          </a:effectRef>
+          <a:fontRef idx="minor">
+            <a:schemeClr val="lt1"/>
+          </a:fontRef>
+        </p:style>
+      </p:sp>
+      <p:sp>
+        <p:nvSpPr>
+          <p:cNvPr id="8" name="Rectangle 7"/>
+          <p:cNvSpPr/>
+          <p:nvPr/>
+        </p:nvSpPr>
+        <p:spPr>
+          <a:xfrm>
+            <a:off x="17" y="6334316"/>
+            <a:ext cx="12188825" cy="64008"/>
+          </a:xfrm>
+          <a:prstGeom prst="rect">
+            <a:avLst/>
+          </a:prstGeom>
+          <a:solidFill>
+            <a:schemeClr val="accent1"/>
+          </a:solidFill>
+          <a:ln>
+            <a:noFill/>
+          </a:ln>
+        </p:spPr>
+        <p:style>
+          <a:lnRef idx="2">
+            <a:schemeClr val="accent1">
+              <a:shade val="50000"/>
+            </a:schemeClr>
+          </a:lnRef>
+          <a:fillRef idx="1">
+            <a:schemeClr val="accent1"/>
+          </a:fillRef>
+          <a:effectRef idx="0">
+            <a:schemeClr val="accent1"/>
+          </a:effectRef>
+          <a:fontRef idx="minor">
+            <a:schemeClr val="lt1"/>
+          </a:fontRef>
+        </p:style>
+      </p:sp>
+      <p:sp>
+        <p:nvSpPr>
+          <p:cNvPr id="2" name="Title 1"/>
+          <p:cNvSpPr>
+            <a:spLocks noGrp="1"/>
+          </p:cNvSpPr>
+          <p:nvPr>
+            <p:ph type="title"/>
+          </p:nvPr>
+        </p:nvSpPr>
+        <p:spPr>
+          <a:xfrm>
+            <a:off x="1097280" y="758952"/>
+            <a:ext cx="10058400" cy="3566160"/>
+          </a:xfrm>
+        </p:spPr>
+        <p:txBody>
+          <a:bodyPr anchor="b" anchorCtr="0">
+            <a:normAutofit/>
+          </a:bodyPr>
+          <a:lstStyle>
+            <a:lvl1pPr>
+              <a:lnSpc>
+                <a:spcPct val="85000"/>
+              </a:lnSpc>
+              <a:defRPr sz="8000" b="0">
+                <a:solidFill>
+                  <a:schemeClr val="tx1">
+                    <a:lumMod val="85000"/>
+                    <a:lumOff val="15000"/>
+                  </a:schemeClr>
+                </a:solidFill>
+              </a:defRPr>
+            </a:lvl1pPr>
+          </a:lstStyle>
+          <a:p>
+            <a:r>
+              <a:rPr lang="ru-RU" smtClean="0"/>
+              <a:t>Образец заголовка</a:t>
+            </a:r>
+            <a:endParaRPr lang="en-US" dirty="0"/>
+          </a:p>
+        </p:txBody>
+      </p:sp>
+      <p:sp>
+        <p:nvSpPr>
+          <p:cNvPr id="3" name="Text Placeholder 2"/>
+          <p:cNvSpPr>
+            <a:spLocks noGrp="1"/>
+          </p:cNvSpPr>
+          <p:nvPr>
+            <p:ph type="body" idx="1"/>
+          </p:nvPr>
+        </p:nvSpPr>
+        <p:spPr>
+          <a:xfrm>
+            <a:off x="1097280" y="4453128"/>
+            <a:ext cx="10058400" cy="1143000"/>
+          </a:xfrm>
+        </p:spPr>
+        <p:txBody>
+          <a:bodyPr lIns="91440" rIns="91440" anchor="t" anchorCtr="0">
+            <a:normAutofit/>
+          </a:bodyPr>
+          <a:lstStyle>
+            <a:lvl1pPr marL="0" indent="0">
+              <a:buNone/>
+              <a:defRPr sz="2400" cap="all" spc="200" baseline="0">
+                <a:solidFill>
+                  <a:schemeClr val="tx2"/>
+                </a:solidFill>
+                <a:latin typeface="+mj-lt"/>
+              </a:defRPr>
+            </a:lvl1pPr>
+            <a:lvl2pPr marL="457203" indent="0">
+              <a:buNone/>
+              <a:defRPr sz="1800">
+                <a:solidFill>
+                  <a:schemeClr val="tx1">
+                    <a:tint val="75000"/>
+                  </a:schemeClr>
+                </a:solidFill>
+              </a:defRPr>
+            </a:lvl2pPr>
+            <a:lvl3pPr marL="914406" indent="0">
+              <a:buNone/>
+              <a:defRPr sz="1600">
+                <a:solidFill>
+                  <a:schemeClr val="tx1">
+                    <a:tint val="75000"/>
+                  </a:schemeClr>
+                </a:solidFill>
+              </a:defRPr>
+            </a:lvl3pPr>
+            <a:lvl4pPr marL="1371609" indent="0">
+              <a:buNone/>
+              <a:defRPr sz="1400">
+                <a:solidFill>
+                  <a:schemeClr val="tx1">
+                    <a:tint val="75000"/>
+                  </a:schemeClr>
+                </a:solidFill>
+              </a:defRPr>
+            </a:lvl4pPr>
+            <a:lvl5pPr marL="1828812" indent="0">
+              <a:buNone/>
+              <a:defRPr sz="1400">
+                <a:solidFill>
+                  <a:schemeClr val="tx1">
+                    <a:tint val="75000"/>
+                  </a:schemeClr>
+                </a:solidFill>
+              </a:defRPr>
+            </a:lvl5pPr>
+            <a:lvl6pPr marL="2286015" indent="0">
+              <a:buNone/>
+              <a:defRPr sz="1400">
+                <a:solidFill>
+                  <a:schemeClr val="tx1">
+                    <a:tint val="75000"/>
+                  </a:schemeClr>
+                </a:solidFill>
+              </a:defRPr>
+            </a:lvl6pPr>
+            <a:lvl7pPr marL="2743218" indent="0">
+              <a:buNone/>
+              <a:defRPr sz="1400">
+                <a:solidFill>
+                  <a:schemeClr val="tx1">
+                    <a:tint val="75000"/>
+                  </a:schemeClr>
+                </a:solidFill>
+              </a:defRPr>
+            </a:lvl7pPr>
+            <a:lvl8pPr marL="3200421" indent="0">
+              <a:buNone/>
+              <a:defRPr sz="1400">
+                <a:solidFill>
+                  <a:schemeClr val="tx1">
+                    <a:tint val="75000"/>
+                  </a:schemeClr>
+                </a:solidFill>
+              </a:defRPr>
+            </a:lvl8pPr>
+            <a:lvl9pPr marL="3657624" indent="0">
+              <a:buNone/>
+              <a:defRPr sz="1400">
+                <a:solidFill>
+                  <a:schemeClr val="tx1">
+                    <a:tint val="75000"/>
+                  </a:schemeClr>
+                </a:solidFill>
+              </a:defRPr>
+            </a:lvl9pPr>
+          </a:lstStyle>
+          <a:p>
+            <a:pPr lvl="0"/>
+            <a:r>
+              <a:rPr lang="ru-RU" smtClean="0"/>
+              <a:t>Образец текста</a:t>
+            </a:r>
+          </a:p>
+        </p:txBody>
+      </p:sp>
+      <p:sp>
+        <p:nvSpPr>
+          <p:cNvPr id="4" name="Date Placeholder 3"/>
+          <p:cNvSpPr>
+            <a:spLocks noGrp="1"/>
+          </p:cNvSpPr>
+          <p:nvPr>
+            <p:ph type="dt" sz="half" idx="10"/>
+          </p:nvPr>
+        </p:nvSpPr>
+        <p:spPr/>
+        <p:txBody>
+          <a:bodyPr/>
+          <a:lstStyle/>
+          <a:p>
+            <a:fld id="{B3A6B1B2-236A-48BE-878F-72F169DF6CBD}" type="datetime1">
+              <a:rPr lang="ru-RU" smtClean="0"/>
+              <a:t>21.07.2017</a:t>
             </a:fld>
             <a:endParaRPr lang="ru-RU"/>
           </a:p>
@@ -821,1164 +1984,7 @@
     </p:spTree>
     <p:extLst>
       <p:ext uri="{BB962C8B-B14F-4D97-AF65-F5344CB8AC3E}">
-        <p14:creationId xmlns:p14="http://schemas.microsoft.com/office/powerpoint/2010/main" val="1225978015"/>
-      </p:ext>
-    </p:extLst>
-  </p:cSld>
-  <p:clrMapOvr>
-    <a:masterClrMapping/>
-  </p:clrMapOvr>
-</p:sldLayout>
-</file>
-
-<file path=ppt/slideLayouts/slideLayout10.xml><?xml version="1.0" encoding="utf-8"?>
-<p:sldLayout xmlns:a="http://schemas.openxmlformats.org/drawingml/2006/main" xmlns:r="http://schemas.openxmlformats.org/officeDocument/2006/relationships" xmlns:p="http://schemas.openxmlformats.org/presentationml/2006/main" type="vertTx" preserve="1">
-  <p:cSld name="Заголовок и вертикальный текст">
-    <p:spTree>
-      <p:nvGrpSpPr>
-        <p:cNvPr id="1" name=""/>
-        <p:cNvGrpSpPr/>
-        <p:nvPr/>
-      </p:nvGrpSpPr>
-      <p:grpSpPr>
-        <a:xfrm>
-          <a:off x="0" y="0"/>
-          <a:ext cx="0" cy="0"/>
-          <a:chOff x="0" y="0"/>
-          <a:chExt cx="0" cy="0"/>
-        </a:xfrm>
-      </p:grpSpPr>
-      <p:sp>
-        <p:nvSpPr>
-          <p:cNvPr id="2" name="Title 1"/>
-          <p:cNvSpPr>
-            <a:spLocks noGrp="1"/>
-          </p:cNvSpPr>
-          <p:nvPr>
-            <p:ph type="title"/>
-          </p:nvPr>
-        </p:nvSpPr>
-        <p:spPr/>
-        <p:txBody>
-          <a:bodyPr/>
-          <a:lstStyle/>
-          <a:p>
-            <a:r>
-              <a:rPr lang="ru-RU" smtClean="0"/>
-              <a:t>Образец заголовка</a:t>
-            </a:r>
-            <a:endParaRPr lang="en-US" dirty="0"/>
-          </a:p>
-        </p:txBody>
-      </p:sp>
-      <p:sp>
-        <p:nvSpPr>
-          <p:cNvPr id="3" name="Vertical Text Placeholder 2"/>
-          <p:cNvSpPr>
-            <a:spLocks noGrp="1"/>
-          </p:cNvSpPr>
-          <p:nvPr>
-            <p:ph type="body" orient="vert" idx="1"/>
-          </p:nvPr>
-        </p:nvSpPr>
-        <p:spPr/>
-        <p:txBody>
-          <a:bodyPr vert="eaVert" lIns="45720" tIns="0" rIns="45720" bIns="0"/>
-          <a:lstStyle/>
-          <a:p>
-            <a:pPr lvl="0"/>
-            <a:r>
-              <a:rPr lang="ru-RU" smtClean="0"/>
-              <a:t>Образец текста</a:t>
-            </a:r>
-          </a:p>
-          <a:p>
-            <a:pPr lvl="1"/>
-            <a:r>
-              <a:rPr lang="ru-RU" smtClean="0"/>
-              <a:t>Второй уровень</a:t>
-            </a:r>
-          </a:p>
-          <a:p>
-            <a:pPr lvl="2"/>
-            <a:r>
-              <a:rPr lang="ru-RU" smtClean="0"/>
-              <a:t>Третий уровень</a:t>
-            </a:r>
-          </a:p>
-          <a:p>
-            <a:pPr lvl="3"/>
-            <a:r>
-              <a:rPr lang="ru-RU" smtClean="0"/>
-              <a:t>Четвертый уровень</a:t>
-            </a:r>
-          </a:p>
-          <a:p>
-            <a:pPr lvl="4"/>
-            <a:r>
-              <a:rPr lang="ru-RU" smtClean="0"/>
-              <a:t>Пятый уровень</a:t>
-            </a:r>
-            <a:endParaRPr lang="en-US" dirty="0"/>
-          </a:p>
-        </p:txBody>
-      </p:sp>
-      <p:sp>
-        <p:nvSpPr>
-          <p:cNvPr id="4" name="Date Placeholder 3"/>
-          <p:cNvSpPr>
-            <a:spLocks noGrp="1"/>
-          </p:cNvSpPr>
-          <p:nvPr>
-            <p:ph type="dt" sz="half" idx="10"/>
-          </p:nvPr>
-        </p:nvSpPr>
-        <p:spPr/>
-        <p:txBody>
-          <a:bodyPr/>
-          <a:lstStyle/>
-          <a:p>
-            <a:fld id="{89C7541F-CB82-4BD8-A652-091946D7096D}" type="datetime1">
-              <a:rPr lang="ru-RU" smtClean="0"/>
-              <a:t>02.06.2017</a:t>
-            </a:fld>
-            <a:endParaRPr lang="ru-RU"/>
-          </a:p>
-        </p:txBody>
-      </p:sp>
-      <p:sp>
-        <p:nvSpPr>
-          <p:cNvPr id="5" name="Footer Placeholder 4"/>
-          <p:cNvSpPr>
-            <a:spLocks noGrp="1"/>
-          </p:cNvSpPr>
-          <p:nvPr>
-            <p:ph type="ftr" sz="quarter" idx="11"/>
-          </p:nvPr>
-        </p:nvSpPr>
-        <p:spPr/>
-        <p:txBody>
-          <a:bodyPr/>
-          <a:lstStyle/>
-          <a:p>
-            <a:r>
-              <a:rPr lang="ru-RU" smtClean="0"/>
-              <a:t>Кафедра 24. "Компьютерный практикум по прикладной ядерной физике: Geant4"</a:t>
-            </a:r>
-            <a:endParaRPr lang="ru-RU"/>
-          </a:p>
-        </p:txBody>
-      </p:sp>
-      <p:sp>
-        <p:nvSpPr>
-          <p:cNvPr id="6" name="Slide Number Placeholder 5"/>
-          <p:cNvSpPr>
-            <a:spLocks noGrp="1"/>
-          </p:cNvSpPr>
-          <p:nvPr>
-            <p:ph type="sldNum" sz="quarter" idx="12"/>
-          </p:nvPr>
-        </p:nvSpPr>
-        <p:spPr/>
-        <p:txBody>
-          <a:bodyPr/>
-          <a:lstStyle/>
-          <a:p>
-            <a:fld id="{00CA4720-69D6-49C8-9F05-5AE586FCF308}" type="slidenum">
-              <a:rPr lang="ru-RU" smtClean="0"/>
-              <a:t>‹#›</a:t>
-            </a:fld>
-            <a:endParaRPr lang="ru-RU"/>
-          </a:p>
-        </p:txBody>
-      </p:sp>
-    </p:spTree>
-    <p:extLst>
-      <p:ext uri="{BB962C8B-B14F-4D97-AF65-F5344CB8AC3E}">
-        <p14:creationId xmlns:p14="http://schemas.microsoft.com/office/powerpoint/2010/main" val="4059976338"/>
-      </p:ext>
-    </p:extLst>
-  </p:cSld>
-  <p:clrMapOvr>
-    <a:masterClrMapping/>
-  </p:clrMapOvr>
-</p:sldLayout>
-</file>
-
-<file path=ppt/slideLayouts/slideLayout11.xml><?xml version="1.0" encoding="utf-8"?>
-<p:sldLayout xmlns:a="http://schemas.openxmlformats.org/drawingml/2006/main" xmlns:r="http://schemas.openxmlformats.org/officeDocument/2006/relationships" xmlns:p="http://schemas.openxmlformats.org/presentationml/2006/main" showMasterSp="0" type="vertTitleAndTx" preserve="1">
-  <p:cSld name="Вертикальный заголовок и текст">
-    <p:spTree>
-      <p:nvGrpSpPr>
-        <p:cNvPr id="1" name=""/>
-        <p:cNvGrpSpPr/>
-        <p:nvPr/>
-      </p:nvGrpSpPr>
-      <p:grpSpPr>
-        <a:xfrm>
-          <a:off x="0" y="0"/>
-          <a:ext cx="0" cy="0"/>
-          <a:chOff x="0" y="0"/>
-          <a:chExt cx="0" cy="0"/>
-        </a:xfrm>
-      </p:grpSpPr>
-      <p:sp>
-        <p:nvSpPr>
-          <p:cNvPr id="7" name="Rectangle 6"/>
-          <p:cNvSpPr/>
-          <p:nvPr/>
-        </p:nvSpPr>
-        <p:spPr>
-          <a:xfrm>
-            <a:off x="3177" y="6400800"/>
-            <a:ext cx="12188825" cy="457200"/>
-          </a:xfrm>
-          <a:prstGeom prst="rect">
-            <a:avLst/>
-          </a:prstGeom>
-          <a:solidFill>
-            <a:schemeClr val="accent2"/>
-          </a:solidFill>
-          <a:ln>
-            <a:noFill/>
-          </a:ln>
-        </p:spPr>
-        <p:style>
-          <a:lnRef idx="2">
-            <a:schemeClr val="accent1">
-              <a:shade val="50000"/>
-            </a:schemeClr>
-          </a:lnRef>
-          <a:fillRef idx="1">
-            <a:schemeClr val="accent1"/>
-          </a:fillRef>
-          <a:effectRef idx="0">
-            <a:schemeClr val="accent1"/>
-          </a:effectRef>
-          <a:fontRef idx="minor">
-            <a:schemeClr val="lt1"/>
-          </a:fontRef>
-        </p:style>
-      </p:sp>
-      <p:sp>
-        <p:nvSpPr>
-          <p:cNvPr id="8" name="Rectangle 7"/>
-          <p:cNvSpPr/>
-          <p:nvPr/>
-        </p:nvSpPr>
-        <p:spPr>
-          <a:xfrm>
-            <a:off x="17" y="6334316"/>
-            <a:ext cx="12188825" cy="64008"/>
-          </a:xfrm>
-          <a:prstGeom prst="rect">
-            <a:avLst/>
-          </a:prstGeom>
-          <a:solidFill>
-            <a:schemeClr val="accent1"/>
-          </a:solidFill>
-          <a:ln>
-            <a:noFill/>
-          </a:ln>
-        </p:spPr>
-        <p:style>
-          <a:lnRef idx="2">
-            <a:schemeClr val="accent1">
-              <a:shade val="50000"/>
-            </a:schemeClr>
-          </a:lnRef>
-          <a:fillRef idx="1">
-            <a:schemeClr val="accent1"/>
-          </a:fillRef>
-          <a:effectRef idx="0">
-            <a:schemeClr val="accent1"/>
-          </a:effectRef>
-          <a:fontRef idx="minor">
-            <a:schemeClr val="lt1"/>
-          </a:fontRef>
-        </p:style>
-      </p:sp>
-      <p:sp>
-        <p:nvSpPr>
-          <p:cNvPr id="2" name="Vertical Title 1"/>
-          <p:cNvSpPr>
-            <a:spLocks noGrp="1"/>
-          </p:cNvSpPr>
-          <p:nvPr>
-            <p:ph type="title" orient="vert"/>
-          </p:nvPr>
-        </p:nvSpPr>
-        <p:spPr>
-          <a:xfrm>
-            <a:off x="8724902" y="412303"/>
-            <a:ext cx="2628900" cy="5759898"/>
-          </a:xfrm>
-        </p:spPr>
-        <p:txBody>
-          <a:bodyPr vert="eaVert"/>
-          <a:lstStyle/>
-          <a:p>
-            <a:r>
-              <a:rPr lang="ru-RU" smtClean="0"/>
-              <a:t>Образец заголовка</a:t>
-            </a:r>
-            <a:endParaRPr lang="en-US" dirty="0"/>
-          </a:p>
-        </p:txBody>
-      </p:sp>
-      <p:sp>
-        <p:nvSpPr>
-          <p:cNvPr id="3" name="Vertical Text Placeholder 2"/>
-          <p:cNvSpPr>
-            <a:spLocks noGrp="1"/>
-          </p:cNvSpPr>
-          <p:nvPr>
-            <p:ph type="body" orient="vert" idx="1"/>
-          </p:nvPr>
-        </p:nvSpPr>
-        <p:spPr>
-          <a:xfrm>
-            <a:off x="838201" y="412303"/>
-            <a:ext cx="7734299" cy="5759898"/>
-          </a:xfrm>
-        </p:spPr>
-        <p:txBody>
-          <a:bodyPr vert="eaVert" lIns="45720" tIns="0" rIns="45720" bIns="0"/>
-          <a:lstStyle/>
-          <a:p>
-            <a:pPr lvl="0"/>
-            <a:r>
-              <a:rPr lang="ru-RU" smtClean="0"/>
-              <a:t>Образец текста</a:t>
-            </a:r>
-          </a:p>
-          <a:p>
-            <a:pPr lvl="1"/>
-            <a:r>
-              <a:rPr lang="ru-RU" smtClean="0"/>
-              <a:t>Второй уровень</a:t>
-            </a:r>
-          </a:p>
-          <a:p>
-            <a:pPr lvl="2"/>
-            <a:r>
-              <a:rPr lang="ru-RU" smtClean="0"/>
-              <a:t>Третий уровень</a:t>
-            </a:r>
-          </a:p>
-          <a:p>
-            <a:pPr lvl="3"/>
-            <a:r>
-              <a:rPr lang="ru-RU" smtClean="0"/>
-              <a:t>Четвертый уровень</a:t>
-            </a:r>
-          </a:p>
-          <a:p>
-            <a:pPr lvl="4"/>
-            <a:r>
-              <a:rPr lang="ru-RU" smtClean="0"/>
-              <a:t>Пятый уровень</a:t>
-            </a:r>
-            <a:endParaRPr lang="en-US" dirty="0"/>
-          </a:p>
-        </p:txBody>
-      </p:sp>
-      <p:sp>
-        <p:nvSpPr>
-          <p:cNvPr id="4" name="Date Placeholder 3"/>
-          <p:cNvSpPr>
-            <a:spLocks noGrp="1"/>
-          </p:cNvSpPr>
-          <p:nvPr>
-            <p:ph type="dt" sz="half" idx="10"/>
-          </p:nvPr>
-        </p:nvSpPr>
-        <p:spPr/>
-        <p:txBody>
-          <a:bodyPr/>
-          <a:lstStyle/>
-          <a:p>
-            <a:fld id="{5D6EA226-9F1E-4D48-82F9-B7510AA33A06}" type="datetime1">
-              <a:rPr lang="ru-RU" smtClean="0"/>
-              <a:t>02.06.2017</a:t>
-            </a:fld>
-            <a:endParaRPr lang="ru-RU"/>
-          </a:p>
-        </p:txBody>
-      </p:sp>
-      <p:sp>
-        <p:nvSpPr>
-          <p:cNvPr id="5" name="Footer Placeholder 4"/>
-          <p:cNvSpPr>
-            <a:spLocks noGrp="1"/>
-          </p:cNvSpPr>
-          <p:nvPr>
-            <p:ph type="ftr" sz="quarter" idx="11"/>
-          </p:nvPr>
-        </p:nvSpPr>
-        <p:spPr/>
-        <p:txBody>
-          <a:bodyPr/>
-          <a:lstStyle/>
-          <a:p>
-            <a:r>
-              <a:rPr lang="ru-RU" smtClean="0"/>
-              <a:t>Кафедра 24. "Компьютерный практикум по прикладной ядерной физике: Geant4"</a:t>
-            </a:r>
-            <a:endParaRPr lang="ru-RU"/>
-          </a:p>
-        </p:txBody>
-      </p:sp>
-      <p:sp>
-        <p:nvSpPr>
-          <p:cNvPr id="6" name="Slide Number Placeholder 5"/>
-          <p:cNvSpPr>
-            <a:spLocks noGrp="1"/>
-          </p:cNvSpPr>
-          <p:nvPr>
-            <p:ph type="sldNum" sz="quarter" idx="12"/>
-          </p:nvPr>
-        </p:nvSpPr>
-        <p:spPr/>
-        <p:txBody>
-          <a:bodyPr/>
-          <a:lstStyle/>
-          <a:p>
-            <a:fld id="{00CA4720-69D6-49C8-9F05-5AE586FCF308}" type="slidenum">
-              <a:rPr lang="ru-RU" smtClean="0"/>
-              <a:t>‹#›</a:t>
-            </a:fld>
-            <a:endParaRPr lang="ru-RU"/>
-          </a:p>
-        </p:txBody>
-      </p:sp>
-    </p:spTree>
-    <p:extLst>
-      <p:ext uri="{BB962C8B-B14F-4D97-AF65-F5344CB8AC3E}">
-        <p14:creationId xmlns:p14="http://schemas.microsoft.com/office/powerpoint/2010/main" val="2433062983"/>
-      </p:ext>
-    </p:extLst>
-  </p:cSld>
-  <p:clrMapOvr>
-    <a:masterClrMapping/>
-  </p:clrMapOvr>
-</p:sldLayout>
-</file>
-
-<file path=ppt/slideLayouts/slideLayout12.xml><?xml version="1.0" encoding="utf-8"?>
-<p:sldLayout xmlns:a="http://schemas.openxmlformats.org/drawingml/2006/main" xmlns:r="http://schemas.openxmlformats.org/officeDocument/2006/relationships" xmlns:p="http://schemas.openxmlformats.org/presentationml/2006/main" type="tx">
-  <p:cSld name="1_Титульный слайд">
-    <p:spTree>
-      <p:nvGrpSpPr>
-        <p:cNvPr id="1" name=""/>
-        <p:cNvGrpSpPr/>
-        <p:nvPr/>
-      </p:nvGrpSpPr>
-      <p:grpSpPr>
-        <a:xfrm>
-          <a:off x="0" y="0"/>
-          <a:ext cx="0" cy="0"/>
-          <a:chOff x="0" y="0"/>
-          <a:chExt cx="0" cy="0"/>
-        </a:xfrm>
-      </p:grpSpPr>
-      <p:sp>
-        <p:nvSpPr>
-          <p:cNvPr id="5" name="PlaceHolder 1"/>
-          <p:cNvSpPr>
-            <a:spLocks noGrp="1"/>
-          </p:cNvSpPr>
-          <p:nvPr>
-            <p:ph type="title"/>
-          </p:nvPr>
-        </p:nvSpPr>
-        <p:spPr>
-          <a:xfrm>
-            <a:off x="609562" y="273352"/>
-            <a:ext cx="10971684" cy="1145009"/>
-          </a:xfrm>
-          <a:prstGeom prst="rect">
-            <a:avLst/>
-          </a:prstGeom>
-        </p:spPr>
-        <p:txBody>
-          <a:bodyPr lIns="0" tIns="0" rIns="0" bIns="0" anchor="ctr"/>
-          <a:lstStyle/>
-          <a:p>
-            <a:pPr algn="ctr"/>
-            <a:r>
-              <a:rPr lang="ru-RU" sz="3992" b="0" strike="noStrike" spc="-1" smtClean="0">
-                <a:solidFill>
-                  <a:srgbClr val="000000"/>
-                </a:solidFill>
-                <a:uFill>
-                  <a:solidFill>
-                    <a:srgbClr val="FFFFFF"/>
-                  </a:solidFill>
-                </a:uFill>
-                <a:latin typeface="Arial"/>
-              </a:rPr>
-              <a:t>Образец заголовка</a:t>
-            </a:r>
-            <a:endParaRPr lang="ru-RU" sz="3992" b="0" strike="noStrike" spc="-1">
-              <a:solidFill>
-                <a:srgbClr val="000000"/>
-              </a:solidFill>
-              <a:uFill>
-                <a:solidFill>
-                  <a:srgbClr val="FFFFFF"/>
-                </a:solidFill>
-              </a:uFill>
-              <a:latin typeface="Arial"/>
-            </a:endParaRPr>
-          </a:p>
-        </p:txBody>
-      </p:sp>
-      <p:sp>
-        <p:nvSpPr>
-          <p:cNvPr id="6" name="PlaceHolder 2"/>
-          <p:cNvSpPr>
-            <a:spLocks noGrp="1"/>
-          </p:cNvSpPr>
-          <p:nvPr>
-            <p:ph type="subTitle"/>
-          </p:nvPr>
-        </p:nvSpPr>
-        <p:spPr>
-          <a:xfrm>
-            <a:off x="609562" y="1604841"/>
-            <a:ext cx="10971684" cy="3977484"/>
-          </a:xfrm>
-          <a:prstGeom prst="rect">
-            <a:avLst/>
-          </a:prstGeom>
-        </p:spPr>
-        <p:txBody>
-          <a:bodyPr lIns="0" tIns="0" rIns="0" bIns="0" anchor="ctr"/>
-          <a:lstStyle/>
-          <a:p>
-            <a:pPr algn="ctr"/>
-            <a:r>
-              <a:rPr lang="ru-RU" sz="2903" b="0" strike="noStrike" spc="-1" smtClean="0">
-                <a:solidFill>
-                  <a:srgbClr val="000000"/>
-                </a:solidFill>
-                <a:uFill>
-                  <a:solidFill>
-                    <a:srgbClr val="FFFFFF"/>
-                  </a:solidFill>
-                </a:uFill>
-                <a:latin typeface="Arial"/>
-              </a:rPr>
-              <a:t>Образец подзаголовка</a:t>
-            </a:r>
-            <a:endParaRPr lang="ru-RU" sz="2903" b="0" strike="noStrike" spc="-1">
-              <a:solidFill>
-                <a:srgbClr val="000000"/>
-              </a:solidFill>
-              <a:uFill>
-                <a:solidFill>
-                  <a:srgbClr val="FFFFFF"/>
-                </a:solidFill>
-              </a:uFill>
-              <a:latin typeface="Arial"/>
-            </a:endParaRPr>
-          </a:p>
-        </p:txBody>
-      </p:sp>
-    </p:spTree>
-    <p:extLst>
-      <p:ext uri="{BB962C8B-B14F-4D97-AF65-F5344CB8AC3E}">
-        <p14:creationId xmlns:p14="http://schemas.microsoft.com/office/powerpoint/2010/main" val="2652598981"/>
-      </p:ext>
-    </p:extLst>
-  </p:cSld>
-  <p:clrMapOvr>
-    <a:masterClrMapping/>
-  </p:clrMapOvr>
-</p:sldLayout>
-</file>
-
-<file path=ppt/slideLayouts/slideLayout2.xml><?xml version="1.0" encoding="utf-8"?>
-<p:sldLayout xmlns:a="http://schemas.openxmlformats.org/drawingml/2006/main" xmlns:r="http://schemas.openxmlformats.org/officeDocument/2006/relationships" xmlns:p="http://schemas.openxmlformats.org/presentationml/2006/main" type="obj" preserve="1">
-  <p:cSld name="Заголовок и объект">
-    <p:spTree>
-      <p:nvGrpSpPr>
-        <p:cNvPr id="1" name=""/>
-        <p:cNvGrpSpPr/>
-        <p:nvPr/>
-      </p:nvGrpSpPr>
-      <p:grpSpPr>
-        <a:xfrm>
-          <a:off x="0" y="0"/>
-          <a:ext cx="0" cy="0"/>
-          <a:chOff x="0" y="0"/>
-          <a:chExt cx="0" cy="0"/>
-        </a:xfrm>
-      </p:grpSpPr>
-      <p:sp>
-        <p:nvSpPr>
-          <p:cNvPr id="2" name="Title 1"/>
-          <p:cNvSpPr>
-            <a:spLocks noGrp="1"/>
-          </p:cNvSpPr>
-          <p:nvPr>
-            <p:ph type="title"/>
-          </p:nvPr>
-        </p:nvSpPr>
-        <p:spPr/>
-        <p:txBody>
-          <a:bodyPr/>
-          <a:lstStyle/>
-          <a:p>
-            <a:r>
-              <a:rPr lang="ru-RU" smtClean="0"/>
-              <a:t>Образец заголовка</a:t>
-            </a:r>
-            <a:endParaRPr lang="en-US" dirty="0"/>
-          </a:p>
-        </p:txBody>
-      </p:sp>
-      <p:sp>
-        <p:nvSpPr>
-          <p:cNvPr id="3" name="Content Placeholder 2"/>
-          <p:cNvSpPr>
-            <a:spLocks noGrp="1"/>
-          </p:cNvSpPr>
-          <p:nvPr>
-            <p:ph idx="1"/>
-          </p:nvPr>
-        </p:nvSpPr>
-        <p:spPr/>
-        <p:txBody>
-          <a:bodyPr/>
-          <a:lstStyle/>
-          <a:p>
-            <a:pPr lvl="0"/>
-            <a:r>
-              <a:rPr lang="ru-RU" smtClean="0"/>
-              <a:t>Образец текста</a:t>
-            </a:r>
-          </a:p>
-          <a:p>
-            <a:pPr lvl="1"/>
-            <a:r>
-              <a:rPr lang="ru-RU" smtClean="0"/>
-              <a:t>Второй уровень</a:t>
-            </a:r>
-          </a:p>
-          <a:p>
-            <a:pPr lvl="2"/>
-            <a:r>
-              <a:rPr lang="ru-RU" smtClean="0"/>
-              <a:t>Третий уровень</a:t>
-            </a:r>
-          </a:p>
-          <a:p>
-            <a:pPr lvl="3"/>
-            <a:r>
-              <a:rPr lang="ru-RU" smtClean="0"/>
-              <a:t>Четвертый уровень</a:t>
-            </a:r>
-          </a:p>
-          <a:p>
-            <a:pPr lvl="4"/>
-            <a:r>
-              <a:rPr lang="ru-RU" smtClean="0"/>
-              <a:t>Пятый уровень</a:t>
-            </a:r>
-            <a:endParaRPr lang="en-US" dirty="0"/>
-          </a:p>
-        </p:txBody>
-      </p:sp>
-      <p:sp>
-        <p:nvSpPr>
-          <p:cNvPr id="4" name="Date Placeholder 3"/>
-          <p:cNvSpPr>
-            <a:spLocks noGrp="1"/>
-          </p:cNvSpPr>
-          <p:nvPr>
-            <p:ph type="dt" sz="half" idx="10"/>
-          </p:nvPr>
-        </p:nvSpPr>
-        <p:spPr/>
-        <p:txBody>
-          <a:bodyPr/>
-          <a:lstStyle/>
-          <a:p>
-            <a:fld id="{8F5FE24B-1DCE-4283-A049-2DE8FDA28BD0}" type="datetime1">
-              <a:rPr lang="ru-RU" smtClean="0"/>
-              <a:t>02.06.2017</a:t>
-            </a:fld>
-            <a:endParaRPr lang="ru-RU"/>
-          </a:p>
-        </p:txBody>
-      </p:sp>
-      <p:sp>
-        <p:nvSpPr>
-          <p:cNvPr id="5" name="Footer Placeholder 4"/>
-          <p:cNvSpPr>
-            <a:spLocks noGrp="1"/>
-          </p:cNvSpPr>
-          <p:nvPr>
-            <p:ph type="ftr" sz="quarter" idx="11"/>
-          </p:nvPr>
-        </p:nvSpPr>
-        <p:spPr/>
-        <p:txBody>
-          <a:bodyPr/>
-          <a:lstStyle/>
-          <a:p>
-            <a:r>
-              <a:rPr lang="ru-RU" smtClean="0"/>
-              <a:t>Кафедра 24. "Компьютерный практикум по прикладной ядерной физике: Geant4"</a:t>
-            </a:r>
-            <a:endParaRPr lang="ru-RU"/>
-          </a:p>
-        </p:txBody>
-      </p:sp>
-      <p:sp>
-        <p:nvSpPr>
-          <p:cNvPr id="6" name="Slide Number Placeholder 5"/>
-          <p:cNvSpPr>
-            <a:spLocks noGrp="1"/>
-          </p:cNvSpPr>
-          <p:nvPr>
-            <p:ph type="sldNum" sz="quarter" idx="12"/>
-          </p:nvPr>
-        </p:nvSpPr>
-        <p:spPr/>
-        <p:txBody>
-          <a:bodyPr/>
-          <a:lstStyle/>
-          <a:p>
-            <a:fld id="{00CA4720-69D6-49C8-9F05-5AE586FCF308}" type="slidenum">
-              <a:rPr lang="ru-RU" smtClean="0"/>
-              <a:t>‹#›</a:t>
-            </a:fld>
-            <a:endParaRPr lang="ru-RU"/>
-          </a:p>
-        </p:txBody>
-      </p:sp>
-      <p:cxnSp>
-        <p:nvCxnSpPr>
-          <p:cNvPr id="9" name="Прямая соединительная линия 8"/>
-          <p:cNvCxnSpPr/>
-          <p:nvPr/>
-        </p:nvCxnSpPr>
-        <p:spPr>
-          <a:xfrm>
-            <a:off x="1200150" y="1737362"/>
-            <a:ext cx="9853613" cy="0"/>
-          </a:xfrm>
-          <a:prstGeom prst="line">
-            <a:avLst/>
-          </a:prstGeom>
-        </p:spPr>
-        <p:style>
-          <a:lnRef idx="1">
-            <a:schemeClr val="dk1"/>
-          </a:lnRef>
-          <a:fillRef idx="0">
-            <a:schemeClr val="dk1"/>
-          </a:fillRef>
-          <a:effectRef idx="0">
-            <a:schemeClr val="dk1"/>
-          </a:effectRef>
-          <a:fontRef idx="minor">
-            <a:schemeClr val="tx1"/>
-          </a:fontRef>
-        </p:style>
-      </p:cxnSp>
-    </p:spTree>
-    <p:extLst>
-      <p:ext uri="{BB962C8B-B14F-4D97-AF65-F5344CB8AC3E}">
-        <p14:creationId xmlns:p14="http://schemas.microsoft.com/office/powerpoint/2010/main" val="2570226598"/>
-      </p:ext>
-    </p:extLst>
-  </p:cSld>
-  <p:clrMapOvr>
-    <a:masterClrMapping/>
-  </p:clrMapOvr>
-</p:sldLayout>
-</file>
-
-<file path=ppt/slideLayouts/slideLayout3.xml><?xml version="1.0" encoding="utf-8"?>
-<p:sldLayout xmlns:a="http://schemas.openxmlformats.org/drawingml/2006/main" xmlns:r="http://schemas.openxmlformats.org/officeDocument/2006/relationships" xmlns:p="http://schemas.openxmlformats.org/presentationml/2006/main" showMasterSp="0" type="secHead" preserve="1">
-  <p:cSld name="Заголовок раздела">
-    <p:bg>
-      <p:bgPr>
-        <a:solidFill>
-          <a:schemeClr val="bg1"/>
-        </a:solidFill>
-        <a:effectLst/>
-      </p:bgPr>
-    </p:bg>
-    <p:spTree>
-      <p:nvGrpSpPr>
-        <p:cNvPr id="1" name=""/>
-        <p:cNvGrpSpPr/>
-        <p:nvPr/>
-      </p:nvGrpSpPr>
-      <p:grpSpPr>
-        <a:xfrm>
-          <a:off x="0" y="0"/>
-          <a:ext cx="0" cy="0"/>
-          <a:chOff x="0" y="0"/>
-          <a:chExt cx="0" cy="0"/>
-        </a:xfrm>
-      </p:grpSpPr>
-      <p:sp>
-        <p:nvSpPr>
-          <p:cNvPr id="7" name="Rectangle 6"/>
-          <p:cNvSpPr/>
-          <p:nvPr/>
-        </p:nvSpPr>
-        <p:spPr>
-          <a:xfrm>
-            <a:off x="3177" y="6400800"/>
-            <a:ext cx="12188825" cy="457200"/>
-          </a:xfrm>
-          <a:prstGeom prst="rect">
-            <a:avLst/>
-          </a:prstGeom>
-          <a:solidFill>
-            <a:schemeClr val="accent2"/>
-          </a:solidFill>
-          <a:ln>
-            <a:noFill/>
-          </a:ln>
-        </p:spPr>
-        <p:style>
-          <a:lnRef idx="2">
-            <a:schemeClr val="accent1">
-              <a:shade val="50000"/>
-            </a:schemeClr>
-          </a:lnRef>
-          <a:fillRef idx="1">
-            <a:schemeClr val="accent1"/>
-          </a:fillRef>
-          <a:effectRef idx="0">
-            <a:schemeClr val="accent1"/>
-          </a:effectRef>
-          <a:fontRef idx="minor">
-            <a:schemeClr val="lt1"/>
-          </a:fontRef>
-        </p:style>
-      </p:sp>
-      <p:sp>
-        <p:nvSpPr>
-          <p:cNvPr id="8" name="Rectangle 7"/>
-          <p:cNvSpPr/>
-          <p:nvPr/>
-        </p:nvSpPr>
-        <p:spPr>
-          <a:xfrm>
-            <a:off x="17" y="6334316"/>
-            <a:ext cx="12188825" cy="64008"/>
-          </a:xfrm>
-          <a:prstGeom prst="rect">
-            <a:avLst/>
-          </a:prstGeom>
-          <a:solidFill>
-            <a:schemeClr val="accent1"/>
-          </a:solidFill>
-          <a:ln>
-            <a:noFill/>
-          </a:ln>
-        </p:spPr>
-        <p:style>
-          <a:lnRef idx="2">
-            <a:schemeClr val="accent1">
-              <a:shade val="50000"/>
-            </a:schemeClr>
-          </a:lnRef>
-          <a:fillRef idx="1">
-            <a:schemeClr val="accent1"/>
-          </a:fillRef>
-          <a:effectRef idx="0">
-            <a:schemeClr val="accent1"/>
-          </a:effectRef>
-          <a:fontRef idx="minor">
-            <a:schemeClr val="lt1"/>
-          </a:fontRef>
-        </p:style>
-      </p:sp>
-      <p:sp>
-        <p:nvSpPr>
-          <p:cNvPr id="2" name="Title 1"/>
-          <p:cNvSpPr>
-            <a:spLocks noGrp="1"/>
-          </p:cNvSpPr>
-          <p:nvPr>
-            <p:ph type="title"/>
-          </p:nvPr>
-        </p:nvSpPr>
-        <p:spPr>
-          <a:xfrm>
-            <a:off x="1097280" y="758952"/>
-            <a:ext cx="10058400" cy="3566160"/>
-          </a:xfrm>
-        </p:spPr>
-        <p:txBody>
-          <a:bodyPr anchor="b" anchorCtr="0">
-            <a:normAutofit/>
-          </a:bodyPr>
-          <a:lstStyle>
-            <a:lvl1pPr>
-              <a:lnSpc>
-                <a:spcPct val="85000"/>
-              </a:lnSpc>
-              <a:defRPr sz="8000" b="0">
-                <a:solidFill>
-                  <a:schemeClr val="tx1">
-                    <a:lumMod val="85000"/>
-                    <a:lumOff val="15000"/>
-                  </a:schemeClr>
-                </a:solidFill>
-              </a:defRPr>
-            </a:lvl1pPr>
-          </a:lstStyle>
-          <a:p>
-            <a:r>
-              <a:rPr lang="ru-RU" smtClean="0"/>
-              <a:t>Образец заголовка</a:t>
-            </a:r>
-            <a:endParaRPr lang="en-US" dirty="0"/>
-          </a:p>
-        </p:txBody>
-      </p:sp>
-      <p:sp>
-        <p:nvSpPr>
-          <p:cNvPr id="3" name="Text Placeholder 2"/>
-          <p:cNvSpPr>
-            <a:spLocks noGrp="1"/>
-          </p:cNvSpPr>
-          <p:nvPr>
-            <p:ph type="body" idx="1"/>
-          </p:nvPr>
-        </p:nvSpPr>
-        <p:spPr>
-          <a:xfrm>
-            <a:off x="1097280" y="4453128"/>
-            <a:ext cx="10058400" cy="1143000"/>
-          </a:xfrm>
-        </p:spPr>
-        <p:txBody>
-          <a:bodyPr lIns="91440" rIns="91440" anchor="t" anchorCtr="0">
-            <a:normAutofit/>
-          </a:bodyPr>
-          <a:lstStyle>
-            <a:lvl1pPr marL="0" indent="0">
-              <a:buNone/>
-              <a:defRPr sz="2400" cap="all" spc="200" baseline="0">
-                <a:solidFill>
-                  <a:schemeClr val="tx2"/>
-                </a:solidFill>
-                <a:latin typeface="+mj-lt"/>
-              </a:defRPr>
-            </a:lvl1pPr>
-            <a:lvl2pPr marL="457203" indent="0">
-              <a:buNone/>
-              <a:defRPr sz="1800">
-                <a:solidFill>
-                  <a:schemeClr val="tx1">
-                    <a:tint val="75000"/>
-                  </a:schemeClr>
-                </a:solidFill>
-              </a:defRPr>
-            </a:lvl2pPr>
-            <a:lvl3pPr marL="914406" indent="0">
-              <a:buNone/>
-              <a:defRPr sz="1600">
-                <a:solidFill>
-                  <a:schemeClr val="tx1">
-                    <a:tint val="75000"/>
-                  </a:schemeClr>
-                </a:solidFill>
-              </a:defRPr>
-            </a:lvl3pPr>
-            <a:lvl4pPr marL="1371609" indent="0">
-              <a:buNone/>
-              <a:defRPr sz="1400">
-                <a:solidFill>
-                  <a:schemeClr val="tx1">
-                    <a:tint val="75000"/>
-                  </a:schemeClr>
-                </a:solidFill>
-              </a:defRPr>
-            </a:lvl4pPr>
-            <a:lvl5pPr marL="1828812" indent="0">
-              <a:buNone/>
-              <a:defRPr sz="1400">
-                <a:solidFill>
-                  <a:schemeClr val="tx1">
-                    <a:tint val="75000"/>
-                  </a:schemeClr>
-                </a:solidFill>
-              </a:defRPr>
-            </a:lvl5pPr>
-            <a:lvl6pPr marL="2286015" indent="0">
-              <a:buNone/>
-              <a:defRPr sz="1400">
-                <a:solidFill>
-                  <a:schemeClr val="tx1">
-                    <a:tint val="75000"/>
-                  </a:schemeClr>
-                </a:solidFill>
-              </a:defRPr>
-            </a:lvl6pPr>
-            <a:lvl7pPr marL="2743218" indent="0">
-              <a:buNone/>
-              <a:defRPr sz="1400">
-                <a:solidFill>
-                  <a:schemeClr val="tx1">
-                    <a:tint val="75000"/>
-                  </a:schemeClr>
-                </a:solidFill>
-              </a:defRPr>
-            </a:lvl7pPr>
-            <a:lvl8pPr marL="3200421" indent="0">
-              <a:buNone/>
-              <a:defRPr sz="1400">
-                <a:solidFill>
-                  <a:schemeClr val="tx1">
-                    <a:tint val="75000"/>
-                  </a:schemeClr>
-                </a:solidFill>
-              </a:defRPr>
-            </a:lvl8pPr>
-            <a:lvl9pPr marL="3657624" indent="0">
-              <a:buNone/>
-              <a:defRPr sz="1400">
-                <a:solidFill>
-                  <a:schemeClr val="tx1">
-                    <a:tint val="75000"/>
-                  </a:schemeClr>
-                </a:solidFill>
-              </a:defRPr>
-            </a:lvl9pPr>
-          </a:lstStyle>
-          <a:p>
-            <a:pPr lvl="0"/>
-            <a:r>
-              <a:rPr lang="ru-RU" smtClean="0"/>
-              <a:t>Образец текста</a:t>
-            </a:r>
-          </a:p>
-        </p:txBody>
-      </p:sp>
-      <p:sp>
-        <p:nvSpPr>
-          <p:cNvPr id="4" name="Date Placeholder 3"/>
-          <p:cNvSpPr>
-            <a:spLocks noGrp="1"/>
-          </p:cNvSpPr>
-          <p:nvPr>
-            <p:ph type="dt" sz="half" idx="10"/>
-          </p:nvPr>
-        </p:nvSpPr>
-        <p:spPr/>
-        <p:txBody>
-          <a:bodyPr/>
-          <a:lstStyle/>
-          <a:p>
-            <a:fld id="{B3A6B1B2-236A-48BE-878F-72F169DF6CBD}" type="datetime1">
-              <a:rPr lang="ru-RU" smtClean="0"/>
-              <a:t>02.06.2017</a:t>
-            </a:fld>
-            <a:endParaRPr lang="ru-RU"/>
-          </a:p>
-        </p:txBody>
-      </p:sp>
-      <p:sp>
-        <p:nvSpPr>
-          <p:cNvPr id="5" name="Footer Placeholder 4"/>
-          <p:cNvSpPr>
-            <a:spLocks noGrp="1"/>
-          </p:cNvSpPr>
-          <p:nvPr>
-            <p:ph type="ftr" sz="quarter" idx="11"/>
-          </p:nvPr>
-        </p:nvSpPr>
-        <p:spPr/>
-        <p:txBody>
-          <a:bodyPr/>
-          <a:lstStyle/>
-          <a:p>
-            <a:r>
-              <a:rPr lang="ru-RU" smtClean="0"/>
-              <a:t>Кафедра 24. "Компьютерный практикум по прикладной ядерной физике: Geant4"</a:t>
-            </a:r>
-            <a:endParaRPr lang="ru-RU"/>
-          </a:p>
-        </p:txBody>
-      </p:sp>
-      <p:sp>
-        <p:nvSpPr>
-          <p:cNvPr id="6" name="Slide Number Placeholder 5"/>
-          <p:cNvSpPr>
-            <a:spLocks noGrp="1"/>
-          </p:cNvSpPr>
-          <p:nvPr>
-            <p:ph type="sldNum" sz="quarter" idx="12"/>
-          </p:nvPr>
-        </p:nvSpPr>
-        <p:spPr/>
-        <p:txBody>
-          <a:bodyPr/>
-          <a:lstStyle/>
-          <a:p>
-            <a:fld id="{00CA4720-69D6-49C8-9F05-5AE586FCF308}" type="slidenum">
-              <a:rPr lang="ru-RU" smtClean="0"/>
-              <a:t>‹#›</a:t>
-            </a:fld>
-            <a:endParaRPr lang="ru-RU"/>
-          </a:p>
-        </p:txBody>
-      </p:sp>
-      <p:cxnSp>
-        <p:nvCxnSpPr>
-          <p:cNvPr id="9" name="Straight Connector 8"/>
-          <p:cNvCxnSpPr/>
-          <p:nvPr/>
-        </p:nvCxnSpPr>
-        <p:spPr>
-          <a:xfrm>
-            <a:off x="1207659" y="4343400"/>
-            <a:ext cx="9875520" cy="0"/>
-          </a:xfrm>
-          <a:prstGeom prst="line">
-            <a:avLst/>
-          </a:prstGeom>
-          <a:ln w="6350">
-            <a:solidFill>
-              <a:schemeClr val="tx1">
-                <a:lumMod val="50000"/>
-                <a:lumOff val="50000"/>
-              </a:schemeClr>
-            </a:solidFill>
-          </a:ln>
-        </p:spPr>
-        <p:style>
-          <a:lnRef idx="1">
-            <a:schemeClr val="accent1"/>
-          </a:lnRef>
-          <a:fillRef idx="0">
-            <a:schemeClr val="accent1"/>
-          </a:fillRef>
-          <a:effectRef idx="0">
-            <a:schemeClr val="accent1"/>
-          </a:effectRef>
-          <a:fontRef idx="minor">
-            <a:schemeClr val="tx1"/>
-          </a:fontRef>
-        </p:style>
-      </p:cxnSp>
-    </p:spTree>
-    <p:extLst>
-      <p:ext uri="{BB962C8B-B14F-4D97-AF65-F5344CB8AC3E}">
-        <p14:creationId xmlns:p14="http://schemas.microsoft.com/office/powerpoint/2010/main" val="1849688912"/>
+        <p14:creationId xmlns:p14="http://schemas.microsoft.com/office/powerpoint/2010/main" val="253731426"/>
       </p:ext>
     </p:extLst>
   </p:cSld>
@@ -2164,7 +2170,7 @@
           <a:p>
             <a:fld id="{974A315E-86DC-469E-96C9-660B8B5A9A1B}" type="datetime1">
               <a:rPr lang="ru-RU" smtClean="0"/>
-              <a:t>02.06.2017</a:t>
+              <a:t>21.07.2017</a:t>
             </a:fld>
             <a:endParaRPr lang="ru-RU"/>
           </a:p>
@@ -2219,7 +2225,7 @@
     </p:spTree>
     <p:extLst>
       <p:ext uri="{BB962C8B-B14F-4D97-AF65-F5344CB8AC3E}">
-        <p14:creationId xmlns:p14="http://schemas.microsoft.com/office/powerpoint/2010/main" val="2780171176"/>
+        <p14:creationId xmlns:p14="http://schemas.microsoft.com/office/powerpoint/2010/main" val="732653897"/>
       </p:ext>
     </p:extLst>
   </p:cSld>
@@ -2547,7 +2553,7 @@
           <a:p>
             <a:fld id="{139AD86B-2F3D-43FE-9B76-A9781B203638}" type="datetime1">
               <a:rPr lang="ru-RU" smtClean="0"/>
-              <a:t>02.06.2017</a:t>
+              <a:t>21.07.2017</a:t>
             </a:fld>
             <a:endParaRPr lang="ru-RU"/>
           </a:p>
@@ -2602,7 +2608,7 @@
     </p:spTree>
     <p:extLst>
       <p:ext uri="{BB962C8B-B14F-4D97-AF65-F5344CB8AC3E}">
-        <p14:creationId xmlns:p14="http://schemas.microsoft.com/office/powerpoint/2010/main" val="2054815514"/>
+        <p14:creationId xmlns:p14="http://schemas.microsoft.com/office/powerpoint/2010/main" val="1238225124"/>
       </p:ext>
     </p:extLst>
   </p:cSld>
@@ -2629,32 +2635,6 @@
           <a:chExt cx="0" cy="0"/>
         </a:xfrm>
       </p:grpSpPr>
-      <p:pic>
-        <p:nvPicPr>
-          <p:cNvPr id="6" name="Рисунок 5"/>
-          <p:cNvPicPr>
-            <a:picLocks noChangeAspect="1"/>
-          </p:cNvPicPr>
-          <p:nvPr/>
-        </p:nvPicPr>
-        <p:blipFill>
-          <a:blip r:embed="rId2">
-            <a:lum bright="70000" contrast="-70000"/>
-          </a:blip>
-          <a:stretch>
-            <a:fillRect/>
-          </a:stretch>
-        </p:blipFill>
-        <p:spPr>
-          <a:xfrm>
-            <a:off x="8639175" y="142875"/>
-            <a:ext cx="3413506" cy="3390900"/>
-          </a:xfrm>
-          <a:prstGeom prst="rect">
-            <a:avLst/>
-          </a:prstGeom>
-        </p:spPr>
-      </p:pic>
       <p:sp>
         <p:nvSpPr>
           <p:cNvPr id="2" name="Title 1"/>
@@ -2695,7 +2675,7 @@
           <a:p>
             <a:fld id="{301035DD-9BCD-4E39-B663-688C771AAE13}" type="datetime1">
               <a:rPr lang="ru-RU" smtClean="0"/>
-              <a:t>02.06.2017</a:t>
+              <a:t>21.07.2017</a:t>
             </a:fld>
             <a:endParaRPr lang="ru-RU"/>
           </a:p>
@@ -2780,7 +2760,7 @@
     </p:spTree>
     <p:extLst>
       <p:ext uri="{BB962C8B-B14F-4D97-AF65-F5344CB8AC3E}">
-        <p14:creationId xmlns:p14="http://schemas.microsoft.com/office/powerpoint/2010/main" val="3340076873"/>
+        <p14:creationId xmlns:p14="http://schemas.microsoft.com/office/powerpoint/2010/main" val="2747527188"/>
       </p:ext>
     </p:extLst>
   </p:cSld>
@@ -2900,7 +2880,7 @@
           <a:p>
             <a:fld id="{BB831222-A79E-4B62-8969-260FD6C1BDAE}" type="datetime1">
               <a:rPr lang="ru-RU" smtClean="0"/>
-              <a:t>02.06.2017</a:t>
+              <a:t>21.07.2017</a:t>
             </a:fld>
             <a:endParaRPr lang="ru-RU"/>
           </a:p>
@@ -2962,15 +2942,19 @@
       </p:sp>
       <p:pic>
         <p:nvPicPr>
-          <p:cNvPr id="10" name="Рисунок 9"/>
+          <p:cNvPr id="4" name="Рисунок 3"/>
           <p:cNvPicPr>
             <a:picLocks noChangeAspect="1"/>
           </p:cNvPicPr>
           <p:nvPr/>
         </p:nvPicPr>
         <p:blipFill>
-          <a:blip r:embed="rId2">
-            <a:lum bright="70000" contrast="-70000"/>
+          <a:blip r:embed="rId2" cstate="print">
+            <a:extLst>
+              <a:ext uri="{28A0092B-C50C-407E-A947-70E740481C1C}">
+                <a14:useLocalDpi xmlns:a14="http://schemas.microsoft.com/office/drawing/2010/main" val="0"/>
+              </a:ext>
+            </a:extLst>
           </a:blip>
           <a:stretch>
             <a:fillRect/>
@@ -2978,8 +2962,8 @@
         </p:blipFill>
         <p:spPr>
           <a:xfrm>
-            <a:off x="8639175" y="142875"/>
-            <a:ext cx="3413506" cy="3390900"/>
+            <a:off x="9594989" y="0"/>
+            <a:ext cx="2593853" cy="2642621"/>
           </a:xfrm>
           <a:prstGeom prst="rect">
             <a:avLst/>
@@ -2989,7 +2973,7 @@
     </p:spTree>
     <p:extLst>
       <p:ext uri="{BB962C8B-B14F-4D97-AF65-F5344CB8AC3E}">
-        <p14:creationId xmlns:p14="http://schemas.microsoft.com/office/powerpoint/2010/main" val="3694749212"/>
+        <p14:creationId xmlns:p14="http://schemas.microsoft.com/office/powerpoint/2010/main" val="1864211761"/>
       </p:ext>
     </p:extLst>
   </p:cSld>
@@ -3284,7 +3268,7 @@
           <a:p>
             <a:fld id="{EDFC3035-7B83-4687-8B84-FD39DA52B5DE}" type="datetime1">
               <a:rPr lang="ru-RU" smtClean="0"/>
-              <a:t>02.06.2017</a:t>
+              <a:t>21.07.2017</a:t>
             </a:fld>
             <a:endParaRPr lang="ru-RU"/>
           </a:p>
@@ -3360,7 +3344,7 @@
     </p:spTree>
     <p:extLst>
       <p:ext uri="{BB962C8B-B14F-4D97-AF65-F5344CB8AC3E}">
-        <p14:creationId xmlns:p14="http://schemas.microsoft.com/office/powerpoint/2010/main" val="1394334593"/>
+        <p14:creationId xmlns:p14="http://schemas.microsoft.com/office/powerpoint/2010/main" val="2812159322"/>
       </p:ext>
     </p:extLst>
   </p:cSld>
@@ -3665,7 +3649,7 @@
           <a:p>
             <a:fld id="{DA79F901-411B-4CB1-B028-584A2105B864}" type="datetime1">
               <a:rPr lang="ru-RU" smtClean="0"/>
-              <a:t>02.06.2017</a:t>
+              <a:t>21.07.2017</a:t>
             </a:fld>
             <a:endParaRPr lang="ru-RU"/>
           </a:p>
@@ -3720,7 +3704,7 @@
     </p:spTree>
     <p:extLst>
       <p:ext uri="{BB962C8B-B14F-4D97-AF65-F5344CB8AC3E}">
-        <p14:creationId xmlns:p14="http://schemas.microsoft.com/office/powerpoint/2010/main" val="3388553998"/>
+        <p14:creationId xmlns:p14="http://schemas.microsoft.com/office/powerpoint/2010/main" val="231931634"/>
       </p:ext>
     </p:extLst>
   </p:cSld>
@@ -3752,32 +3736,6 @@
           <a:chExt cx="0" cy="0"/>
         </a:xfrm>
       </p:grpSpPr>
-      <p:pic>
-        <p:nvPicPr>
-          <p:cNvPr id="11" name="Рисунок 10"/>
-          <p:cNvPicPr>
-            <a:picLocks noChangeAspect="1"/>
-          </p:cNvPicPr>
-          <p:nvPr/>
-        </p:nvPicPr>
-        <p:blipFill>
-          <a:blip r:embed="rId14">
-            <a:lum bright="70000" contrast="-70000"/>
-          </a:blip>
-          <a:stretch>
-            <a:fillRect/>
-          </a:stretch>
-        </p:blipFill>
-        <p:spPr>
-          <a:xfrm>
-            <a:off x="10556472" y="54186"/>
-            <a:ext cx="1585303" cy="1574804"/>
-          </a:xfrm>
-          <a:prstGeom prst="rect">
-            <a:avLst/>
-          </a:prstGeom>
-        </p:spPr>
-      </p:pic>
       <p:cxnSp>
         <p:nvCxnSpPr>
           <p:cNvPr id="12" name="Прямая соединительная линия 11"/>
@@ -4012,7 +3970,7 @@
           <a:p>
             <a:fld id="{82B8D212-5254-4CEC-A371-8BF9163F8709}" type="datetime1">
               <a:rPr lang="ru-RU" smtClean="0"/>
-              <a:t>02.06.2017</a:t>
+              <a:t>21.07.2017</a:t>
             </a:fld>
             <a:endParaRPr lang="ru-RU"/>
           </a:p>
@@ -4134,27 +4092,57 @@
           </a:fontRef>
         </p:style>
       </p:cxnSp>
+      <p:pic>
+        <p:nvPicPr>
+          <p:cNvPr id="16" name="Рисунок 15"/>
+          <p:cNvPicPr>
+            <a:picLocks noChangeAspect="1"/>
+          </p:cNvPicPr>
+          <p:nvPr/>
+        </p:nvPicPr>
+        <p:blipFill>
+          <a:blip r:embed="rId14" cstate="print">
+            <a:extLst>
+              <a:ext uri="{28A0092B-C50C-407E-A947-70E740481C1C}">
+                <a14:useLocalDpi xmlns:a14="http://schemas.microsoft.com/office/drawing/2010/main" val="0"/>
+              </a:ext>
+            </a:extLst>
+          </a:blip>
+          <a:stretch>
+            <a:fillRect/>
+          </a:stretch>
+        </p:blipFill>
+        <p:spPr>
+          <a:xfrm>
+            <a:off x="10340064" y="-165977"/>
+            <a:ext cx="2079399" cy="2118495"/>
+          </a:xfrm>
+          <a:prstGeom prst="rect">
+            <a:avLst/>
+          </a:prstGeom>
+        </p:spPr>
+      </p:pic>
     </p:spTree>
     <p:extLst>
       <p:ext uri="{BB962C8B-B14F-4D97-AF65-F5344CB8AC3E}">
-        <p14:creationId xmlns:p14="http://schemas.microsoft.com/office/powerpoint/2010/main" val="394743607"/>
+        <p14:creationId xmlns:p14="http://schemas.microsoft.com/office/powerpoint/2010/main" val="4266391841"/>
       </p:ext>
     </p:extLst>
   </p:cSld>
   <p:clrMap bg1="lt1" tx1="dk1" bg2="lt2" tx2="dk2" accent1="accent1" accent2="accent2" accent3="accent3" accent4="accent4" accent5="accent5" accent6="accent6" hlink="hlink" folHlink="folHlink"/>
   <p:sldLayoutIdLst>
-    <p:sldLayoutId id="2147483661" r:id="rId1"/>
-    <p:sldLayoutId id="2147483662" r:id="rId2"/>
-    <p:sldLayoutId id="2147483663" r:id="rId3"/>
-    <p:sldLayoutId id="2147483664" r:id="rId4"/>
-    <p:sldLayoutId id="2147483665" r:id="rId5"/>
-    <p:sldLayoutId id="2147483666" r:id="rId6"/>
-    <p:sldLayoutId id="2147483667" r:id="rId7"/>
-    <p:sldLayoutId id="2147483668" r:id="rId8"/>
-    <p:sldLayoutId id="2147483669" r:id="rId9"/>
-    <p:sldLayoutId id="2147483670" r:id="rId10"/>
-    <p:sldLayoutId id="2147483671" r:id="rId11"/>
-    <p:sldLayoutId id="2147483672" r:id="rId12"/>
+    <p:sldLayoutId id="2147483674" r:id="rId1"/>
+    <p:sldLayoutId id="2147483675" r:id="rId2"/>
+    <p:sldLayoutId id="2147483676" r:id="rId3"/>
+    <p:sldLayoutId id="2147483677" r:id="rId4"/>
+    <p:sldLayoutId id="2147483678" r:id="rId5"/>
+    <p:sldLayoutId id="2147483679" r:id="rId6"/>
+    <p:sldLayoutId id="2147483680" r:id="rId7"/>
+    <p:sldLayoutId id="2147483681" r:id="rId8"/>
+    <p:sldLayoutId id="2147483682" r:id="rId9"/>
+    <p:sldLayoutId id="2147483683" r:id="rId10"/>
+    <p:sldLayoutId id="2147483684" r:id="rId11"/>
+    <p:sldLayoutId id="2147483685" r:id="rId12"/>
   </p:sldLayoutIdLst>
   <p:hf hdr="0" dt="0"/>
   <p:txStyles>
@@ -6271,19 +6259,7 @@
             </a:r>
             <a:r>
               <a:rPr lang="ru-RU" sz="1800" i="1" dirty="0" smtClean="0"/>
-              <a:t>в которой </a:t>
-            </a:r>
-            <a:r>
-              <a:rPr lang="ru-RU" sz="1800" i="1" dirty="0" smtClean="0"/>
-              <a:t>вероятность</a:t>
-            </a:r>
-            <a:r>
-              <a:rPr lang="ru-RU" sz="1800" i="1" dirty="0" smtClean="0"/>
-              <a:t> </a:t>
-            </a:r>
-            <a:r>
-              <a:rPr lang="ru-RU" sz="1800" i="1" dirty="0" smtClean="0"/>
-              <a:t>играет роль первого поля или ключа </a:t>
+              <a:t>в которой вероятность играет роль первого поля или ключа </a:t>
             </a:r>
             <a:r>
               <a:rPr lang="ru-RU" sz="1800" dirty="0" smtClean="0"/>
@@ -6303,19 +6279,11 @@
             </a:r>
             <a:r>
               <a:rPr lang="ru-RU" sz="1800" i="1" dirty="0" smtClean="0"/>
-              <a:t> а </a:t>
-            </a:r>
-            <a:r>
-              <a:rPr lang="ru-RU" sz="1800" i="1" dirty="0" smtClean="0"/>
-              <a:t>соответствующая энергия</a:t>
+              <a:t> а соответствующая энергия</a:t>
             </a:r>
             <a:r>
               <a:rPr lang="en-US" sz="1800" i="1" dirty="0" smtClean="0"/>
-              <a:t> </a:t>
-            </a:r>
-            <a:r>
-              <a:rPr lang="en-US" sz="1800" i="1" dirty="0" smtClean="0"/>
-              <a:t>– </a:t>
+              <a:t> – </a:t>
             </a:r>
             <a:r>
               <a:rPr lang="ru-RU" sz="1800" i="1" dirty="0" smtClean="0"/>
@@ -6376,17 +6344,7 @@
                   </a:schemeClr>
                 </a:solidFill>
               </a:rPr>
-              <a:t>G4</a:t>
-            </a:r>
-            <a:r>
-              <a:rPr lang="en-US" sz="1800" b="1" dirty="0" smtClean="0">
-                <a:solidFill>
-                  <a:schemeClr val="accent3">
-                    <a:lumMod val="75000"/>
-                  </a:schemeClr>
-                </a:solidFill>
-              </a:rPr>
-              <a:t>UniformRand</a:t>
+              <a:t>G4UniformRand</a:t>
             </a:r>
             <a:r>
               <a:rPr lang="en-US" sz="1800" dirty="0" smtClean="0"/>
@@ -10784,7 +10742,7 @@
 </file>
 
 <file path=ppt/theme/theme1.xml><?xml version="1.0" encoding="utf-8"?>
-<a:theme xmlns:a="http://schemas.openxmlformats.org/drawingml/2006/main" name="Тема2">
+<a:theme xmlns:a="http://schemas.openxmlformats.org/drawingml/2006/main" name="Тема1">
   <a:themeElements>
     <a:clrScheme name="Зеленый и желтый">
       <a:dk1>
@@ -11060,7 +11018,7 @@
   <a:extraClrSchemeLst/>
   <a:extLst>
     <a:ext uri="{05A4C25C-085E-4340-85A3-A5531E510DB2}">
-      <thm15:themeFamily xmlns:thm15="http://schemas.microsoft.com/office/thememl/2012/main" name="Тема2" id="{F6853AF9-8BEF-47B7-BFEA-1EB0A7F5E420}" vid="{7B47C7A1-DDBD-44DB-B5FC-9345D842DEB1}"/>
+      <thm15:themeFamily xmlns:thm15="http://schemas.microsoft.com/office/thememl/2012/main" name="Тема1" id="{5BB4979D-64F3-4350-A0FB-77B4AA112ABA}" vid="{9ECF0165-2A38-4AFC-8A84-C27FBD5E703B}"/>
     </a:ext>
   </a:extLst>
 </a:theme>
